--- a/Proiect Andreea Harabula.pptx
+++ b/Proiect Andreea Harabula.pptx
@@ -199,7 +199,7 @@
           <a:noFill/>
           <a:extLst>
             <a:ext uri="{909E8E84-426E-40dd-AFC4-6F175D3DCCD1}">
-              <a14:hiddenFill xmlns="" xmlns:a14="http://schemas.microsoft.com/office/drawing/2010/main">
+              <a14:hiddenFill xmlns:a14="http://schemas.microsoft.com/office/drawing/2010/main" xmlns="">
                 <a:solidFill>
                   <a:srgbClr val="FFFFFF"/>
                 </a:solidFill>
@@ -259,7 +259,7 @@
             </a:ln>
             <a:extLst>
               <a:ext uri="{91240B29-F687-4f45-9708-019B960494DF}">
-                <a14:hiddenLine xmlns="" xmlns:a14="http://schemas.microsoft.com/office/drawing/2010/main" w="9525">
+                <a14:hiddenLine xmlns:a14="http://schemas.microsoft.com/office/drawing/2010/main" xmlns="" w="9525">
                   <a:solidFill>
                     <a:srgbClr val="000000"/>
                   </a:solidFill>
@@ -349,7 +349,7 @@
             </a:ln>
             <a:extLst>
               <a:ext uri="{91240B29-F687-4f45-9708-019B960494DF}">
-                <a14:hiddenLine xmlns="" xmlns:a14="http://schemas.microsoft.com/office/drawing/2010/main" w="9525">
+                <a14:hiddenLine xmlns:a14="http://schemas.microsoft.com/office/drawing/2010/main" xmlns="" w="9525">
                   <a:solidFill>
                     <a:srgbClr val="000000"/>
                   </a:solidFill>
@@ -439,7 +439,7 @@
             </a:ln>
             <a:extLst>
               <a:ext uri="{91240B29-F687-4f45-9708-019B960494DF}">
-                <a14:hiddenLine xmlns="" xmlns:a14="http://schemas.microsoft.com/office/drawing/2010/main" w="9525">
+                <a14:hiddenLine xmlns:a14="http://schemas.microsoft.com/office/drawing/2010/main" xmlns="" w="9525">
                   <a:solidFill>
                     <a:srgbClr val="000000"/>
                   </a:solidFill>
@@ -473,7 +473,7 @@
             </a:ln>
             <a:extLst>
               <a:ext uri="{91240B29-F687-4f45-9708-019B960494DF}">
-                <a14:hiddenLine xmlns="" xmlns:a14="http://schemas.microsoft.com/office/drawing/2010/main" w="9525">
+                <a14:hiddenLine xmlns:a14="http://schemas.microsoft.com/office/drawing/2010/main" xmlns="" w="9525">
                   <a:solidFill>
                     <a:srgbClr val="000000"/>
                   </a:solidFill>
@@ -563,7 +563,7 @@
             </a:ln>
             <a:extLst>
               <a:ext uri="{91240B29-F687-4f45-9708-019B960494DF}">
-                <a14:hiddenLine xmlns="" xmlns:a14="http://schemas.microsoft.com/office/drawing/2010/main" w="9525">
+                <a14:hiddenLine xmlns:a14="http://schemas.microsoft.com/office/drawing/2010/main" xmlns="" w="9525">
                   <a:solidFill>
                     <a:srgbClr val="000000"/>
                   </a:solidFill>
@@ -625,7 +625,7 @@
             </a:ln>
             <a:extLst>
               <a:ext uri="{91240B29-F687-4f45-9708-019B960494DF}">
-                <a14:hiddenLine xmlns="" xmlns:a14="http://schemas.microsoft.com/office/drawing/2010/main" w="9525">
+                <a14:hiddenLine xmlns:a14="http://schemas.microsoft.com/office/drawing/2010/main" xmlns="" w="9525">
                   <a:solidFill>
                     <a:srgbClr val="000000"/>
                   </a:solidFill>
@@ -687,7 +687,7 @@
             </a:ln>
             <a:extLst>
               <a:ext uri="{91240B29-F687-4f45-9708-019B960494DF}">
-                <a14:hiddenLine xmlns="" xmlns:a14="http://schemas.microsoft.com/office/drawing/2010/main" w="9525">
+                <a14:hiddenLine xmlns:a14="http://schemas.microsoft.com/office/drawing/2010/main" xmlns="" w="9525">
                   <a:solidFill>
                     <a:srgbClr val="000000"/>
                   </a:solidFill>
@@ -777,7 +777,7 @@
             </a:ln>
             <a:extLst>
               <a:ext uri="{91240B29-F687-4f45-9708-019B960494DF}">
-                <a14:hiddenLine xmlns="" xmlns:a14="http://schemas.microsoft.com/office/drawing/2010/main" w="9525">
+                <a14:hiddenLine xmlns:a14="http://schemas.microsoft.com/office/drawing/2010/main" xmlns="" w="9525">
                   <a:solidFill>
                     <a:srgbClr val="000000"/>
                   </a:solidFill>
@@ -839,7 +839,7 @@
             </a:ln>
             <a:extLst>
               <a:ext uri="{91240B29-F687-4f45-9708-019B960494DF}">
-                <a14:hiddenLine xmlns="" xmlns:a14="http://schemas.microsoft.com/office/drawing/2010/main" w="9525">
+                <a14:hiddenLine xmlns:a14="http://schemas.microsoft.com/office/drawing/2010/main" xmlns="" w="9525">
                   <a:solidFill>
                     <a:srgbClr val="000000"/>
                   </a:solidFill>
@@ -901,7 +901,7 @@
             </a:ln>
             <a:extLst>
               <a:ext uri="{91240B29-F687-4f45-9708-019B960494DF}">
-                <a14:hiddenLine xmlns="" xmlns:a14="http://schemas.microsoft.com/office/drawing/2010/main" w="9525">
+                <a14:hiddenLine xmlns:a14="http://schemas.microsoft.com/office/drawing/2010/main" xmlns="" w="9525">
                   <a:solidFill>
                     <a:srgbClr val="000000"/>
                   </a:solidFill>
@@ -991,7 +991,7 @@
             </a:ln>
             <a:extLst>
               <a:ext uri="{91240B29-F687-4f45-9708-019B960494DF}">
-                <a14:hiddenLine xmlns="" xmlns:a14="http://schemas.microsoft.com/office/drawing/2010/main" w="9525">
+                <a14:hiddenLine xmlns:a14="http://schemas.microsoft.com/office/drawing/2010/main" xmlns="" w="9525">
                   <a:solidFill>
                     <a:srgbClr val="000000"/>
                   </a:solidFill>
@@ -1081,7 +1081,7 @@
             </a:ln>
             <a:extLst>
               <a:ext uri="{91240B29-F687-4f45-9708-019B960494DF}">
-                <a14:hiddenLine xmlns="" xmlns:a14="http://schemas.microsoft.com/office/drawing/2010/main" w="9525">
+                <a14:hiddenLine xmlns:a14="http://schemas.microsoft.com/office/drawing/2010/main" xmlns="" w="9525">
                   <a:solidFill>
                     <a:srgbClr val="000000"/>
                   </a:solidFill>
@@ -1143,7 +1143,7 @@
             </a:ln>
             <a:extLst>
               <a:ext uri="{91240B29-F687-4f45-9708-019B960494DF}">
-                <a14:hiddenLine xmlns="" xmlns:a14="http://schemas.microsoft.com/office/drawing/2010/main" w="9525">
+                <a14:hiddenLine xmlns:a14="http://schemas.microsoft.com/office/drawing/2010/main" xmlns="" w="9525">
                   <a:solidFill>
                     <a:srgbClr val="000000"/>
                   </a:solidFill>
@@ -1253,7 +1253,7 @@
             </a:ln>
             <a:extLst>
               <a:ext uri="{91240B29-F687-4f45-9708-019B960494DF}">
-                <a14:hiddenLine xmlns="" xmlns:a14="http://schemas.microsoft.com/office/drawing/2010/main" w="9525">
+                <a14:hiddenLine xmlns:a14="http://schemas.microsoft.com/office/drawing/2010/main" xmlns="" w="9525">
                   <a:solidFill>
                     <a:srgbClr val="000000"/>
                   </a:solidFill>
@@ -1315,7 +1315,7 @@
             </a:ln>
             <a:extLst>
               <a:ext uri="{91240B29-F687-4f45-9708-019B960494DF}">
-                <a14:hiddenLine xmlns="" xmlns:a14="http://schemas.microsoft.com/office/drawing/2010/main" w="9525">
+                <a14:hiddenLine xmlns:a14="http://schemas.microsoft.com/office/drawing/2010/main" xmlns="" w="9525">
                   <a:solidFill>
                     <a:srgbClr val="000000"/>
                   </a:solidFill>
@@ -1405,7 +1405,7 @@
             </a:ln>
             <a:extLst>
               <a:ext uri="{91240B29-F687-4f45-9708-019B960494DF}">
-                <a14:hiddenLine xmlns="" xmlns:a14="http://schemas.microsoft.com/office/drawing/2010/main" w="9525">
+                <a14:hiddenLine xmlns:a14="http://schemas.microsoft.com/office/drawing/2010/main" xmlns="" w="9525">
                   <a:solidFill>
                     <a:srgbClr val="000000"/>
                   </a:solidFill>
@@ -1495,7 +1495,7 @@
             </a:ln>
             <a:extLst>
               <a:ext uri="{91240B29-F687-4f45-9708-019B960494DF}">
-                <a14:hiddenLine xmlns="" xmlns:a14="http://schemas.microsoft.com/office/drawing/2010/main" w="9525">
+                <a14:hiddenLine xmlns:a14="http://schemas.microsoft.com/office/drawing/2010/main" xmlns="" w="9525">
                   <a:solidFill>
                     <a:srgbClr val="000000"/>
                   </a:solidFill>
@@ -1557,7 +1557,7 @@
             </a:ln>
             <a:extLst>
               <a:ext uri="{91240B29-F687-4f45-9708-019B960494DF}">
-                <a14:hiddenLine xmlns="" xmlns:a14="http://schemas.microsoft.com/office/drawing/2010/main" w="9525">
+                <a14:hiddenLine xmlns:a14="http://schemas.microsoft.com/office/drawing/2010/main" xmlns="" w="9525">
                   <a:solidFill>
                     <a:srgbClr val="000000"/>
                   </a:solidFill>
@@ -1647,7 +1647,7 @@
             </a:ln>
             <a:extLst>
               <a:ext uri="{91240B29-F687-4f45-9708-019B960494DF}">
-                <a14:hiddenLine xmlns="" xmlns:a14="http://schemas.microsoft.com/office/drawing/2010/main" w="9525">
+                <a14:hiddenLine xmlns:a14="http://schemas.microsoft.com/office/drawing/2010/main" xmlns="" w="9525">
                   <a:solidFill>
                     <a:srgbClr val="000000"/>
                   </a:solidFill>
@@ -1737,7 +1737,7 @@
             </a:ln>
             <a:extLst>
               <a:ext uri="{91240B29-F687-4f45-9708-019B960494DF}">
-                <a14:hiddenLine xmlns="" xmlns:a14="http://schemas.microsoft.com/office/drawing/2010/main" w="9525">
+                <a14:hiddenLine xmlns:a14="http://schemas.microsoft.com/office/drawing/2010/main" xmlns="" w="9525">
                   <a:solidFill>
                     <a:srgbClr val="000000"/>
                   </a:solidFill>
@@ -1793,7 +1793,7 @@
             </a:ln>
             <a:extLst>
               <a:ext uri="{91240B29-F687-4f45-9708-019B960494DF}">
-                <a14:hiddenLine xmlns="" xmlns:a14="http://schemas.microsoft.com/office/drawing/2010/main" w="9525">
+                <a14:hiddenLine xmlns:a14="http://schemas.microsoft.com/office/drawing/2010/main" xmlns="" w="9525">
                   <a:solidFill>
                     <a:srgbClr val="000000"/>
                   </a:solidFill>
@@ -1883,7 +1883,7 @@
             </a:ln>
             <a:extLst>
               <a:ext uri="{91240B29-F687-4f45-9708-019B960494DF}">
-                <a14:hiddenLine xmlns="" xmlns:a14="http://schemas.microsoft.com/office/drawing/2010/main" w="9525">
+                <a14:hiddenLine xmlns:a14="http://schemas.microsoft.com/office/drawing/2010/main" xmlns="" w="9525">
                   <a:solidFill>
                     <a:srgbClr val="000000"/>
                   </a:solidFill>
@@ -1939,7 +1939,7 @@
             </a:ln>
             <a:extLst>
               <a:ext uri="{91240B29-F687-4f45-9708-019B960494DF}">
-                <a14:hiddenLine xmlns="" xmlns:a14="http://schemas.microsoft.com/office/drawing/2010/main" w="9525">
+                <a14:hiddenLine xmlns:a14="http://schemas.microsoft.com/office/drawing/2010/main" xmlns="" w="9525">
                   <a:solidFill>
                     <a:srgbClr val="000000"/>
                   </a:solidFill>
@@ -2029,7 +2029,7 @@
             </a:ln>
             <a:extLst>
               <a:ext uri="{91240B29-F687-4f45-9708-019B960494DF}">
-                <a14:hiddenLine xmlns="" xmlns:a14="http://schemas.microsoft.com/office/drawing/2010/main" w="9525">
+                <a14:hiddenLine xmlns:a14="http://schemas.microsoft.com/office/drawing/2010/main" xmlns="" w="9525">
                   <a:solidFill>
                     <a:srgbClr val="000000"/>
                   </a:solidFill>
@@ -2097,7 +2097,7 @@
             </a:ln>
             <a:extLst>
               <a:ext uri="{91240B29-F687-4f45-9708-019B960494DF}">
-                <a14:hiddenLine xmlns="" xmlns:a14="http://schemas.microsoft.com/office/drawing/2010/main" w="9525">
+                <a14:hiddenLine xmlns:a14="http://schemas.microsoft.com/office/drawing/2010/main" xmlns="" w="9525">
                   <a:solidFill>
                     <a:srgbClr val="000000"/>
                   </a:solidFill>
@@ -2187,7 +2187,7 @@
             </a:ln>
             <a:extLst>
               <a:ext uri="{91240B29-F687-4f45-9708-019B960494DF}">
-                <a14:hiddenLine xmlns="" xmlns:a14="http://schemas.microsoft.com/office/drawing/2010/main" w="9525">
+                <a14:hiddenLine xmlns:a14="http://schemas.microsoft.com/office/drawing/2010/main" xmlns="" w="9525">
                   <a:solidFill>
                     <a:srgbClr val="000000"/>
                   </a:solidFill>
@@ -2255,7 +2255,7 @@
             </a:ln>
             <a:extLst>
               <a:ext uri="{91240B29-F687-4f45-9708-019B960494DF}">
-                <a14:hiddenLine xmlns="" xmlns:a14="http://schemas.microsoft.com/office/drawing/2010/main" w="9525">
+                <a14:hiddenLine xmlns:a14="http://schemas.microsoft.com/office/drawing/2010/main" xmlns="" w="9525">
                   <a:solidFill>
                     <a:srgbClr val="000000"/>
                   </a:solidFill>
@@ -2345,7 +2345,7 @@
             </a:ln>
             <a:extLst>
               <a:ext uri="{91240B29-F687-4f45-9708-019B960494DF}">
-                <a14:hiddenLine xmlns="" xmlns:a14="http://schemas.microsoft.com/office/drawing/2010/main" w="9525">
+                <a14:hiddenLine xmlns:a14="http://schemas.microsoft.com/office/drawing/2010/main" xmlns="" w="9525">
                   <a:solidFill>
                     <a:srgbClr val="000000"/>
                   </a:solidFill>
@@ -2379,7 +2379,7 @@
             </a:ln>
             <a:extLst>
               <a:ext uri="{91240B29-F687-4f45-9708-019B960494DF}">
-                <a14:hiddenLine xmlns="" xmlns:a14="http://schemas.microsoft.com/office/drawing/2010/main" w="9525">
+                <a14:hiddenLine xmlns:a14="http://schemas.microsoft.com/office/drawing/2010/main" xmlns="" w="9525">
                   <a:solidFill>
                     <a:srgbClr val="000000"/>
                   </a:solidFill>
@@ -2469,7 +2469,7 @@
             </a:ln>
             <a:extLst>
               <a:ext uri="{91240B29-F687-4f45-9708-019B960494DF}">
-                <a14:hiddenLine xmlns="" xmlns:a14="http://schemas.microsoft.com/office/drawing/2010/main" w="9525">
+                <a14:hiddenLine xmlns:a14="http://schemas.microsoft.com/office/drawing/2010/main" xmlns="" w="9525">
                   <a:solidFill>
                     <a:srgbClr val="000000"/>
                   </a:solidFill>
@@ -2531,7 +2531,7 @@
             </a:ln>
             <a:extLst>
               <a:ext uri="{91240B29-F687-4f45-9708-019B960494DF}">
-                <a14:hiddenLine xmlns="" xmlns:a14="http://schemas.microsoft.com/office/drawing/2010/main" w="9525">
+                <a14:hiddenLine xmlns:a14="http://schemas.microsoft.com/office/drawing/2010/main" xmlns="" w="9525">
                   <a:solidFill>
                     <a:srgbClr val="000000"/>
                   </a:solidFill>
@@ -2593,7 +2593,7 @@
             </a:ln>
             <a:extLst>
               <a:ext uri="{91240B29-F687-4f45-9708-019B960494DF}">
-                <a14:hiddenLine xmlns="" xmlns:a14="http://schemas.microsoft.com/office/drawing/2010/main" w="9525">
+                <a14:hiddenLine xmlns:a14="http://schemas.microsoft.com/office/drawing/2010/main" xmlns="" w="9525">
                   <a:solidFill>
                     <a:srgbClr val="000000"/>
                   </a:solidFill>
@@ -2683,7 +2683,7 @@
             </a:ln>
             <a:extLst>
               <a:ext uri="{91240B29-F687-4f45-9708-019B960494DF}">
-                <a14:hiddenLine xmlns="" xmlns:a14="http://schemas.microsoft.com/office/drawing/2010/main" w="9525">
+                <a14:hiddenLine xmlns:a14="http://schemas.microsoft.com/office/drawing/2010/main" xmlns="" w="9525">
                   <a:solidFill>
                     <a:srgbClr val="000000"/>
                   </a:solidFill>
@@ -2751,7 +2751,7 @@
             </a:ln>
             <a:extLst>
               <a:ext uri="{91240B29-F687-4f45-9708-019B960494DF}">
-                <a14:hiddenLine xmlns="" xmlns:a14="http://schemas.microsoft.com/office/drawing/2010/main" w="9525">
+                <a14:hiddenLine xmlns:a14="http://schemas.microsoft.com/office/drawing/2010/main" xmlns="" w="9525">
                   <a:solidFill>
                     <a:srgbClr val="000000"/>
                   </a:solidFill>
@@ -2813,7 +2813,7 @@
             </a:ln>
             <a:extLst>
               <a:ext uri="{91240B29-F687-4f45-9708-019B960494DF}">
-                <a14:hiddenLine xmlns="" xmlns:a14="http://schemas.microsoft.com/office/drawing/2010/main" w="9525">
+                <a14:hiddenLine xmlns:a14="http://schemas.microsoft.com/office/drawing/2010/main" xmlns="" w="9525">
                   <a:solidFill>
                     <a:srgbClr val="000000"/>
                   </a:solidFill>
@@ -2903,7 +2903,7 @@
             </a:ln>
             <a:extLst>
               <a:ext uri="{91240B29-F687-4f45-9708-019B960494DF}">
-                <a14:hiddenLine xmlns="" xmlns:a14="http://schemas.microsoft.com/office/drawing/2010/main" w="9525">
+                <a14:hiddenLine xmlns:a14="http://schemas.microsoft.com/office/drawing/2010/main" xmlns="" w="9525">
                   <a:solidFill>
                     <a:srgbClr val="000000"/>
                   </a:solidFill>
@@ -2965,7 +2965,7 @@
             </a:ln>
             <a:extLst>
               <a:ext uri="{91240B29-F687-4f45-9708-019B960494DF}">
-                <a14:hiddenLine xmlns="" xmlns:a14="http://schemas.microsoft.com/office/drawing/2010/main" w="9525">
+                <a14:hiddenLine xmlns:a14="http://schemas.microsoft.com/office/drawing/2010/main" xmlns="" w="9525">
                   <a:solidFill>
                     <a:srgbClr val="000000"/>
                   </a:solidFill>
@@ -3055,7 +3055,7 @@
             </a:ln>
             <a:extLst>
               <a:ext uri="{91240B29-F687-4f45-9708-019B960494DF}">
-                <a14:hiddenLine xmlns="" xmlns:a14="http://schemas.microsoft.com/office/drawing/2010/main" w="9525">
+                <a14:hiddenLine xmlns:a14="http://schemas.microsoft.com/office/drawing/2010/main" xmlns="" w="9525">
                   <a:solidFill>
                     <a:srgbClr val="000000"/>
                   </a:solidFill>
@@ -3117,7 +3117,7 @@
             </a:ln>
             <a:extLst>
               <a:ext uri="{91240B29-F687-4f45-9708-019B960494DF}">
-                <a14:hiddenLine xmlns="" xmlns:a14="http://schemas.microsoft.com/office/drawing/2010/main" w="9525">
+                <a14:hiddenLine xmlns:a14="http://schemas.microsoft.com/office/drawing/2010/main" xmlns="" w="9525">
                   <a:solidFill>
                     <a:srgbClr val="000000"/>
                   </a:solidFill>
@@ -3207,7 +3207,7 @@
             </a:ln>
             <a:extLst>
               <a:ext uri="{91240B29-F687-4f45-9708-019B960494DF}">
-                <a14:hiddenLine xmlns="" xmlns:a14="http://schemas.microsoft.com/office/drawing/2010/main" w="9525">
+                <a14:hiddenLine xmlns:a14="http://schemas.microsoft.com/office/drawing/2010/main" xmlns="" w="9525">
                   <a:solidFill>
                     <a:srgbClr val="000000"/>
                   </a:solidFill>
@@ -3241,7 +3241,7 @@
             </a:ln>
             <a:extLst>
               <a:ext uri="{91240B29-F687-4f45-9708-019B960494DF}">
-                <a14:hiddenLine xmlns="" xmlns:a14="http://schemas.microsoft.com/office/drawing/2010/main" w="9525">
+                <a14:hiddenLine xmlns:a14="http://schemas.microsoft.com/office/drawing/2010/main" xmlns="" w="9525">
                   <a:solidFill>
                     <a:srgbClr val="000000"/>
                   </a:solidFill>
@@ -3306,7 +3306,7 @@
             </a:ln>
             <a:extLst>
               <a:ext uri="{91240B29-F687-4f45-9708-019B960494DF}">
-                <a14:hiddenLine xmlns="" xmlns:a14="http://schemas.microsoft.com/office/drawing/2010/main" w="9525">
+                <a14:hiddenLine xmlns:a14="http://schemas.microsoft.com/office/drawing/2010/main" xmlns="" w="9525">
                   <a:solidFill>
                     <a:srgbClr val="000000"/>
                   </a:solidFill>
@@ -3396,7 +3396,7 @@
             </a:ln>
             <a:extLst>
               <a:ext uri="{91240B29-F687-4f45-9708-019B960494DF}">
-                <a14:hiddenLine xmlns="" xmlns:a14="http://schemas.microsoft.com/office/drawing/2010/main" w="9525">
+                <a14:hiddenLine xmlns:a14="http://schemas.microsoft.com/office/drawing/2010/main" xmlns="" w="9525">
                   <a:solidFill>
                     <a:srgbClr val="000000"/>
                   </a:solidFill>
@@ -3458,7 +3458,7 @@
             </a:ln>
             <a:extLst>
               <a:ext uri="{91240B29-F687-4f45-9708-019B960494DF}">
-                <a14:hiddenLine xmlns="" xmlns:a14="http://schemas.microsoft.com/office/drawing/2010/main" w="9525">
+                <a14:hiddenLine xmlns:a14="http://schemas.microsoft.com/office/drawing/2010/main" xmlns="" w="9525">
                   <a:solidFill>
                     <a:srgbClr val="000000"/>
                   </a:solidFill>
@@ -3548,7 +3548,7 @@
             </a:ln>
             <a:extLst>
               <a:ext uri="{91240B29-F687-4f45-9708-019B960494DF}">
-                <a14:hiddenLine xmlns="" xmlns:a14="http://schemas.microsoft.com/office/drawing/2010/main" w="9525">
+                <a14:hiddenLine xmlns:a14="http://schemas.microsoft.com/office/drawing/2010/main" xmlns="" w="9525">
                   <a:solidFill>
                     <a:srgbClr val="000000"/>
                   </a:solidFill>
@@ -3638,7 +3638,7 @@
             </a:ln>
             <a:extLst>
               <a:ext uri="{91240B29-F687-4f45-9708-019B960494DF}">
-                <a14:hiddenLine xmlns="" xmlns:a14="http://schemas.microsoft.com/office/drawing/2010/main" w="9525">
+                <a14:hiddenLine xmlns:a14="http://schemas.microsoft.com/office/drawing/2010/main" xmlns="" w="9525">
                   <a:solidFill>
                     <a:srgbClr val="000000"/>
                   </a:solidFill>
@@ -3703,7 +3703,7 @@
             </a:ln>
             <a:extLst>
               <a:ext uri="{91240B29-F687-4f45-9708-019B960494DF}">
-                <a14:hiddenLine xmlns="" xmlns:a14="http://schemas.microsoft.com/office/drawing/2010/main" w="9525">
+                <a14:hiddenLine xmlns:a14="http://schemas.microsoft.com/office/drawing/2010/main" xmlns="" w="9525">
                   <a:solidFill>
                     <a:srgbClr val="000000"/>
                   </a:solidFill>
@@ -3765,7 +3765,7 @@
             </a:ln>
             <a:extLst>
               <a:ext uri="{91240B29-F687-4f45-9708-019B960494DF}">
-                <a14:hiddenLine xmlns="" xmlns:a14="http://schemas.microsoft.com/office/drawing/2010/main" w="9525">
+                <a14:hiddenLine xmlns:a14="http://schemas.microsoft.com/office/drawing/2010/main" xmlns="" w="9525">
                   <a:solidFill>
                     <a:srgbClr val="000000"/>
                   </a:solidFill>
@@ -3855,7 +3855,7 @@
             </a:ln>
             <a:extLst>
               <a:ext uri="{91240B29-F687-4f45-9708-019B960494DF}">
-                <a14:hiddenLine xmlns="" xmlns:a14="http://schemas.microsoft.com/office/drawing/2010/main" w="9525">
+                <a14:hiddenLine xmlns:a14="http://schemas.microsoft.com/office/drawing/2010/main" xmlns="" w="9525">
                   <a:solidFill>
                     <a:srgbClr val="000000"/>
                   </a:solidFill>
@@ -3945,7 +3945,7 @@
             </a:ln>
             <a:extLst>
               <a:ext uri="{91240B29-F687-4f45-9708-019B960494DF}">
-                <a14:hiddenLine xmlns="" xmlns:a14="http://schemas.microsoft.com/office/drawing/2010/main" w="9525">
+                <a14:hiddenLine xmlns:a14="http://schemas.microsoft.com/office/drawing/2010/main" xmlns="" w="9525">
                   <a:solidFill>
                     <a:srgbClr val="000000"/>
                   </a:solidFill>
@@ -4007,7 +4007,7 @@
             </a:ln>
             <a:extLst>
               <a:ext uri="{91240B29-F687-4f45-9708-019B960494DF}">
-                <a14:hiddenLine xmlns="" xmlns:a14="http://schemas.microsoft.com/office/drawing/2010/main" w="9525">
+                <a14:hiddenLine xmlns:a14="http://schemas.microsoft.com/office/drawing/2010/main" xmlns="" w="9525">
                   <a:solidFill>
                     <a:srgbClr val="000000"/>
                   </a:solidFill>
@@ -4127,7 +4127,7 @@
             </a:ln>
             <a:extLst>
               <a:ext uri="{91240B29-F687-4f45-9708-019B960494DF}">
-                <a14:hiddenLine xmlns="" xmlns:a14="http://schemas.microsoft.com/office/drawing/2010/main" w="9525">
+                <a14:hiddenLine xmlns:a14="http://schemas.microsoft.com/office/drawing/2010/main" xmlns="" w="9525">
                   <a:solidFill>
                     <a:srgbClr val="000000"/>
                   </a:solidFill>
@@ -4195,7 +4195,7 @@
             </a:ln>
             <a:extLst>
               <a:ext uri="{91240B29-F687-4f45-9708-019B960494DF}">
-                <a14:hiddenLine xmlns="" xmlns:a14="http://schemas.microsoft.com/office/drawing/2010/main" w="9525">
+                <a14:hiddenLine xmlns:a14="http://schemas.microsoft.com/office/drawing/2010/main" xmlns="" w="9525">
                   <a:solidFill>
                     <a:srgbClr val="000000"/>
                   </a:solidFill>
@@ -4285,7 +4285,7 @@
             </a:ln>
             <a:extLst>
               <a:ext uri="{91240B29-F687-4f45-9708-019B960494DF}">
-                <a14:hiddenLine xmlns="" xmlns:a14="http://schemas.microsoft.com/office/drawing/2010/main" w="9525">
+                <a14:hiddenLine xmlns:a14="http://schemas.microsoft.com/office/drawing/2010/main" xmlns="" w="9525">
                   <a:solidFill>
                     <a:srgbClr val="000000"/>
                   </a:solidFill>
@@ -4425,7 +4425,7 @@
           <a:p>
             <a:fld id="{48A87A34-81AB-432B-8DAE-1953F412C126}" type="datetimeFigureOut">
               <a:rPr lang="en-US" dirty="0"/>
-              <a:t>3/9/24</a:t>
+              <a:t>3/12/24</a:t>
             </a:fld>
             <a:endParaRPr lang="en-US" dirty="0"/>
           </a:p>
@@ -4687,7 +4687,7 @@
           <a:p>
             <a:fld id="{48A87A34-81AB-432B-8DAE-1953F412C126}" type="datetimeFigureOut">
               <a:rPr lang="en-US" dirty="0"/>
-              <a:t>3/9/24</a:t>
+              <a:t>3/12/24</a:t>
             </a:fld>
             <a:endParaRPr lang="en-US" dirty="0"/>
           </a:p>
@@ -4878,7 +4878,7 @@
           <a:p>
             <a:fld id="{48A87A34-81AB-432B-8DAE-1953F412C126}" type="datetimeFigureOut">
               <a:rPr lang="en-US" dirty="0"/>
-              <a:t>3/9/24</a:t>
+              <a:t>3/12/24</a:t>
             </a:fld>
             <a:endParaRPr lang="en-US" dirty="0"/>
           </a:p>
@@ -5136,7 +5136,7 @@
           <a:p>
             <a:fld id="{48A87A34-81AB-432B-8DAE-1953F412C126}" type="datetimeFigureOut">
               <a:rPr lang="en-US" dirty="0"/>
-              <a:t>3/9/24</a:t>
+              <a:t>3/12/24</a:t>
             </a:fld>
             <a:endParaRPr lang="en-US" dirty="0"/>
           </a:p>
@@ -5565,7 +5565,7 @@
           <a:p>
             <a:fld id="{48A87A34-81AB-432B-8DAE-1953F412C126}" type="datetimeFigureOut">
               <a:rPr lang="en-US" dirty="0"/>
-              <a:t>3/9/24</a:t>
+              <a:t>3/12/24</a:t>
             </a:fld>
             <a:endParaRPr lang="en-US" dirty="0"/>
           </a:p>
@@ -6106,7 +6106,7 @@
           <a:p>
             <a:fld id="{48A87A34-81AB-432B-8DAE-1953F412C126}" type="datetimeFigureOut">
               <a:rPr lang="en-US" dirty="0"/>
-              <a:t>3/9/24</a:t>
+              <a:t>3/12/24</a:t>
             </a:fld>
             <a:endParaRPr lang="en-US" dirty="0"/>
           </a:p>
@@ -6821,7 +6821,7 @@
           <a:p>
             <a:fld id="{48A87A34-81AB-432B-8DAE-1953F412C126}" type="datetimeFigureOut">
               <a:rPr lang="en-US" dirty="0"/>
-              <a:t>3/9/24</a:t>
+              <a:t>3/12/24</a:t>
             </a:fld>
             <a:endParaRPr lang="en-US" dirty="0"/>
           </a:p>
@@ -6986,7 +6986,7 @@
           <a:p>
             <a:fld id="{48A87A34-81AB-432B-8DAE-1953F412C126}" type="datetimeFigureOut">
               <a:rPr lang="en-US" dirty="0"/>
-              <a:t>3/9/24</a:t>
+              <a:t>3/12/24</a:t>
             </a:fld>
             <a:endParaRPr lang="en-US" dirty="0"/>
           </a:p>
@@ -7161,7 +7161,7 @@
           <a:p>
             <a:fld id="{48A87A34-81AB-432B-8DAE-1953F412C126}" type="datetimeFigureOut">
               <a:rPr lang="en-US" dirty="0"/>
-              <a:t>3/9/24</a:t>
+              <a:t>3/12/24</a:t>
             </a:fld>
             <a:endParaRPr lang="en-US" dirty="0"/>
           </a:p>
@@ -7326,7 +7326,7 @@
           <a:p>
             <a:fld id="{48A87A34-81AB-432B-8DAE-1953F412C126}" type="datetimeFigureOut">
               <a:rPr lang="en-US" dirty="0"/>
-              <a:t>3/9/24</a:t>
+              <a:t>3/12/24</a:t>
             </a:fld>
             <a:endParaRPr lang="en-US" dirty="0"/>
           </a:p>
@@ -7571,7 +7571,7 @@
           <a:p>
             <a:fld id="{48A87A34-81AB-432B-8DAE-1953F412C126}" type="datetimeFigureOut">
               <a:rPr lang="en-US" dirty="0"/>
-              <a:t>3/9/24</a:t>
+              <a:t>3/12/24</a:t>
             </a:fld>
             <a:endParaRPr lang="en-US" dirty="0"/>
           </a:p>
@@ -7798,7 +7798,7 @@
           <a:p>
             <a:fld id="{48A87A34-81AB-432B-8DAE-1953F412C126}" type="datetimeFigureOut">
               <a:rPr lang="en-US" dirty="0"/>
-              <a:t>3/9/24</a:t>
+              <a:t>3/12/24</a:t>
             </a:fld>
             <a:endParaRPr lang="en-US" dirty="0"/>
           </a:p>
@@ -8174,7 +8174,7 @@
           <a:p>
             <a:fld id="{48A87A34-81AB-432B-8DAE-1953F412C126}" type="datetimeFigureOut">
               <a:rPr lang="en-US" dirty="0"/>
-              <a:t>3/9/24</a:t>
+              <a:t>3/12/24</a:t>
             </a:fld>
             <a:endParaRPr lang="en-US" dirty="0"/>
           </a:p>
@@ -8287,7 +8287,7 @@
           <a:p>
             <a:fld id="{48A87A34-81AB-432B-8DAE-1953F412C126}" type="datetimeFigureOut">
               <a:rPr lang="en-US" dirty="0"/>
-              <a:t>3/9/24</a:t>
+              <a:t>3/12/24</a:t>
             </a:fld>
             <a:endParaRPr lang="en-US" dirty="0"/>
           </a:p>
@@ -8377,7 +8377,7 @@
           <a:p>
             <a:fld id="{48A87A34-81AB-432B-8DAE-1953F412C126}" type="datetimeFigureOut">
               <a:rPr lang="en-US" dirty="0"/>
-              <a:t>3/9/24</a:t>
+              <a:t>3/12/24</a:t>
             </a:fld>
             <a:endParaRPr lang="en-US" dirty="0"/>
           </a:p>
@@ -8621,7 +8621,7 @@
           <a:p>
             <a:fld id="{48A87A34-81AB-432B-8DAE-1953F412C126}" type="datetimeFigureOut">
               <a:rPr lang="en-US" dirty="0"/>
-              <a:t>3/9/24</a:t>
+              <a:t>3/12/24</a:t>
             </a:fld>
             <a:endParaRPr lang="en-US" dirty="0"/>
           </a:p>
@@ -8896,7 +8896,7 @@
           <a:p>
             <a:fld id="{48A87A34-81AB-432B-8DAE-1953F412C126}" type="datetimeFigureOut">
               <a:rPr lang="en-US" dirty="0"/>
-              <a:t>3/9/24</a:t>
+              <a:t>3/12/24</a:t>
             </a:fld>
             <a:endParaRPr lang="en-US" dirty="0"/>
           </a:p>
@@ -9007,7 +9007,7 @@
           <a:noFill/>
           <a:extLst>
             <a:ext uri="{909E8E84-426E-40dd-AFC4-6F175D3DCCD1}">
-              <a14:hiddenFill xmlns="" xmlns:a14="http://schemas.microsoft.com/office/drawing/2010/main">
+              <a14:hiddenFill xmlns:a14="http://schemas.microsoft.com/office/drawing/2010/main" xmlns="">
                 <a:solidFill>
                   <a:srgbClr val="FFFFFF"/>
                 </a:solidFill>
@@ -9081,7 +9081,7 @@
               </a:ln>
               <a:extLst>
                 <a:ext uri="{91240B29-F687-4f45-9708-019B960494DF}">
-                  <a14:hiddenLine xmlns="" xmlns:a14="http://schemas.microsoft.com/office/drawing/2010/main" w="9525">
+                  <a14:hiddenLine xmlns:a14="http://schemas.microsoft.com/office/drawing/2010/main" xmlns="" w="9525">
                     <a:solidFill>
                       <a:srgbClr val="000000"/>
                     </a:solidFill>
@@ -9171,7 +9171,7 @@
               </a:ln>
               <a:extLst>
                 <a:ext uri="{91240B29-F687-4f45-9708-019B960494DF}">
-                  <a14:hiddenLine xmlns="" xmlns:a14="http://schemas.microsoft.com/office/drawing/2010/main" w="9525">
+                  <a14:hiddenLine xmlns:a14="http://schemas.microsoft.com/office/drawing/2010/main" xmlns="" w="9525">
                     <a:solidFill>
                       <a:srgbClr val="000000"/>
                     </a:solidFill>
@@ -9261,7 +9261,7 @@
               </a:ln>
               <a:extLst>
                 <a:ext uri="{91240B29-F687-4f45-9708-019B960494DF}">
-                  <a14:hiddenLine xmlns="" xmlns:a14="http://schemas.microsoft.com/office/drawing/2010/main" w="9525">
+                  <a14:hiddenLine xmlns:a14="http://schemas.microsoft.com/office/drawing/2010/main" xmlns="" w="9525">
                     <a:solidFill>
                       <a:srgbClr val="000000"/>
                     </a:solidFill>
@@ -9323,7 +9323,7 @@
               </a:ln>
               <a:extLst>
                 <a:ext uri="{91240B29-F687-4f45-9708-019B960494DF}">
-                  <a14:hiddenLine xmlns="" xmlns:a14="http://schemas.microsoft.com/office/drawing/2010/main" w="9525">
+                  <a14:hiddenLine xmlns:a14="http://schemas.microsoft.com/office/drawing/2010/main" xmlns="" w="9525">
                     <a:solidFill>
                       <a:srgbClr val="000000"/>
                     </a:solidFill>
@@ -9413,7 +9413,7 @@
               </a:ln>
               <a:extLst>
                 <a:ext uri="{91240B29-F687-4f45-9708-019B960494DF}">
-                  <a14:hiddenLine xmlns="" xmlns:a14="http://schemas.microsoft.com/office/drawing/2010/main" w="9525">
+                  <a14:hiddenLine xmlns:a14="http://schemas.microsoft.com/office/drawing/2010/main" xmlns="" w="9525">
                     <a:solidFill>
                       <a:srgbClr val="000000"/>
                     </a:solidFill>
@@ -9475,7 +9475,7 @@
               </a:ln>
               <a:extLst>
                 <a:ext uri="{91240B29-F687-4f45-9708-019B960494DF}">
-                  <a14:hiddenLine xmlns="" xmlns:a14="http://schemas.microsoft.com/office/drawing/2010/main" w="9525">
+                  <a14:hiddenLine xmlns:a14="http://schemas.microsoft.com/office/drawing/2010/main" xmlns="" w="9525">
                     <a:solidFill>
                       <a:srgbClr val="000000"/>
                     </a:solidFill>
@@ -9537,7 +9537,7 @@
               </a:ln>
               <a:extLst>
                 <a:ext uri="{91240B29-F687-4f45-9708-019B960494DF}">
-                  <a14:hiddenLine xmlns="" xmlns:a14="http://schemas.microsoft.com/office/drawing/2010/main" w="9525">
+                  <a14:hiddenLine xmlns:a14="http://schemas.microsoft.com/office/drawing/2010/main" xmlns="" w="9525">
                     <a:solidFill>
                       <a:srgbClr val="000000"/>
                     </a:solidFill>
@@ -9627,7 +9627,7 @@
               </a:ln>
               <a:extLst>
                 <a:ext uri="{91240B29-F687-4f45-9708-019B960494DF}">
-                  <a14:hiddenLine xmlns="" xmlns:a14="http://schemas.microsoft.com/office/drawing/2010/main" w="9525">
+                  <a14:hiddenLine xmlns:a14="http://schemas.microsoft.com/office/drawing/2010/main" xmlns="" w="9525">
                     <a:solidFill>
                       <a:srgbClr val="000000"/>
                     </a:solidFill>
@@ -9717,7 +9717,7 @@
               </a:ln>
               <a:extLst>
                 <a:ext uri="{91240B29-F687-4f45-9708-019B960494DF}">
-                  <a14:hiddenLine xmlns="" xmlns:a14="http://schemas.microsoft.com/office/drawing/2010/main" w="9525">
+                  <a14:hiddenLine xmlns:a14="http://schemas.microsoft.com/office/drawing/2010/main" xmlns="" w="9525">
                     <a:solidFill>
                       <a:srgbClr val="000000"/>
                     </a:solidFill>
@@ -9779,7 +9779,7 @@
               </a:ln>
               <a:extLst>
                 <a:ext uri="{91240B29-F687-4f45-9708-019B960494DF}">
-                  <a14:hiddenLine xmlns="" xmlns:a14="http://schemas.microsoft.com/office/drawing/2010/main" w="9525">
+                  <a14:hiddenLine xmlns:a14="http://schemas.microsoft.com/office/drawing/2010/main" xmlns="" w="9525">
                     <a:solidFill>
                       <a:srgbClr val="000000"/>
                     </a:solidFill>
@@ -9889,7 +9889,7 @@
               </a:ln>
               <a:extLst>
                 <a:ext uri="{91240B29-F687-4f45-9708-019B960494DF}">
-                  <a14:hiddenLine xmlns="" xmlns:a14="http://schemas.microsoft.com/office/drawing/2010/main" w="9525">
+                  <a14:hiddenLine xmlns:a14="http://schemas.microsoft.com/office/drawing/2010/main" xmlns="" w="9525">
                     <a:solidFill>
                       <a:srgbClr val="000000"/>
                     </a:solidFill>
@@ -9973,7 +9973,7 @@
               </a:ln>
               <a:extLst>
                 <a:ext uri="{91240B29-F687-4f45-9708-019B960494DF}">
-                  <a14:hiddenLine xmlns="" xmlns:a14="http://schemas.microsoft.com/office/drawing/2010/main" w="9525">
+                  <a14:hiddenLine xmlns:a14="http://schemas.microsoft.com/office/drawing/2010/main" xmlns="" w="9525">
                     <a:solidFill>
                       <a:srgbClr val="000000"/>
                     </a:solidFill>
@@ -10035,7 +10035,7 @@
               </a:ln>
               <a:extLst>
                 <a:ext uri="{91240B29-F687-4f45-9708-019B960494DF}">
-                  <a14:hiddenLine xmlns="" xmlns:a14="http://schemas.microsoft.com/office/drawing/2010/main" w="9525">
+                  <a14:hiddenLine xmlns:a14="http://schemas.microsoft.com/office/drawing/2010/main" xmlns="" w="9525">
                     <a:solidFill>
                       <a:srgbClr val="000000"/>
                     </a:solidFill>
@@ -10097,7 +10097,7 @@
               </a:ln>
               <a:extLst>
                 <a:ext uri="{91240B29-F687-4f45-9708-019B960494DF}">
-                  <a14:hiddenLine xmlns="" xmlns:a14="http://schemas.microsoft.com/office/drawing/2010/main" w="9525">
+                  <a14:hiddenLine xmlns:a14="http://schemas.microsoft.com/office/drawing/2010/main" xmlns="" w="9525">
                     <a:solidFill>
                       <a:srgbClr val="000000"/>
                     </a:solidFill>
@@ -10187,7 +10187,7 @@
               </a:ln>
               <a:extLst>
                 <a:ext uri="{91240B29-F687-4f45-9708-019B960494DF}">
-                  <a14:hiddenLine xmlns="" xmlns:a14="http://schemas.microsoft.com/office/drawing/2010/main" w="9525">
+                  <a14:hiddenLine xmlns:a14="http://schemas.microsoft.com/office/drawing/2010/main" xmlns="" w="9525">
                     <a:solidFill>
                       <a:srgbClr val="000000"/>
                     </a:solidFill>
@@ -10221,7 +10221,7 @@
               </a:ln>
               <a:extLst>
                 <a:ext uri="{91240B29-F687-4f45-9708-019B960494DF}">
-                  <a14:hiddenLine xmlns="" xmlns:a14="http://schemas.microsoft.com/office/drawing/2010/main" w="9525">
+                  <a14:hiddenLine xmlns:a14="http://schemas.microsoft.com/office/drawing/2010/main" xmlns="" w="9525">
                     <a:solidFill>
                       <a:srgbClr val="000000"/>
                     </a:solidFill>
@@ -10286,7 +10286,7 @@
               </a:ln>
               <a:extLst>
                 <a:ext uri="{91240B29-F687-4f45-9708-019B960494DF}">
-                  <a14:hiddenLine xmlns="" xmlns:a14="http://schemas.microsoft.com/office/drawing/2010/main" w="9525">
+                  <a14:hiddenLine xmlns:a14="http://schemas.microsoft.com/office/drawing/2010/main" xmlns="" w="9525">
                     <a:solidFill>
                       <a:srgbClr val="000000"/>
                     </a:solidFill>
@@ -10376,7 +10376,7 @@
               </a:ln>
               <a:extLst>
                 <a:ext uri="{91240B29-F687-4f45-9708-019B960494DF}">
-                  <a14:hiddenLine xmlns="" xmlns:a14="http://schemas.microsoft.com/office/drawing/2010/main" w="9525">
+                  <a14:hiddenLine xmlns:a14="http://schemas.microsoft.com/office/drawing/2010/main" xmlns="" w="9525">
                     <a:solidFill>
                       <a:srgbClr val="000000"/>
                     </a:solidFill>
@@ -10438,7 +10438,7 @@
               </a:ln>
               <a:extLst>
                 <a:ext uri="{91240B29-F687-4f45-9708-019B960494DF}">
-                  <a14:hiddenLine xmlns="" xmlns:a14="http://schemas.microsoft.com/office/drawing/2010/main" w="9525">
+                  <a14:hiddenLine xmlns:a14="http://schemas.microsoft.com/office/drawing/2010/main" xmlns="" w="9525">
                     <a:solidFill>
                       <a:srgbClr val="000000"/>
                     </a:solidFill>
@@ -10528,7 +10528,7 @@
               </a:ln>
               <a:extLst>
                 <a:ext uri="{91240B29-F687-4f45-9708-019B960494DF}">
-                  <a14:hiddenLine xmlns="" xmlns:a14="http://schemas.microsoft.com/office/drawing/2010/main" w="9525">
+                  <a14:hiddenLine xmlns:a14="http://schemas.microsoft.com/office/drawing/2010/main" xmlns="" w="9525">
                     <a:solidFill>
                       <a:srgbClr val="000000"/>
                     </a:solidFill>
@@ -10593,7 +10593,7 @@
               </a:ln>
               <a:extLst>
                 <a:ext uri="{91240B29-F687-4f45-9708-019B960494DF}">
-                  <a14:hiddenLine xmlns="" xmlns:a14="http://schemas.microsoft.com/office/drawing/2010/main" w="9525">
+                  <a14:hiddenLine xmlns:a14="http://schemas.microsoft.com/office/drawing/2010/main" xmlns="" w="9525">
                     <a:solidFill>
                       <a:srgbClr val="000000"/>
                     </a:solidFill>
@@ -10655,7 +10655,7 @@
               </a:ln>
               <a:extLst>
                 <a:ext uri="{91240B29-F687-4f45-9708-019B960494DF}">
-                  <a14:hiddenLine xmlns="" xmlns:a14="http://schemas.microsoft.com/office/drawing/2010/main" w="9525">
+                  <a14:hiddenLine xmlns:a14="http://schemas.microsoft.com/office/drawing/2010/main" xmlns="" w="9525">
                     <a:solidFill>
                       <a:srgbClr val="000000"/>
                     </a:solidFill>
@@ -10745,7 +10745,7 @@
               </a:ln>
               <a:extLst>
                 <a:ext uri="{91240B29-F687-4f45-9708-019B960494DF}">
-                  <a14:hiddenLine xmlns="" xmlns:a14="http://schemas.microsoft.com/office/drawing/2010/main" w="9525">
+                  <a14:hiddenLine xmlns:a14="http://schemas.microsoft.com/office/drawing/2010/main" xmlns="" w="9525">
                     <a:solidFill>
                       <a:srgbClr val="000000"/>
                     </a:solidFill>
@@ -10835,7 +10835,7 @@
               </a:ln>
               <a:extLst>
                 <a:ext uri="{91240B29-F687-4f45-9708-019B960494DF}">
-                  <a14:hiddenLine xmlns="" xmlns:a14="http://schemas.microsoft.com/office/drawing/2010/main" w="9525">
+                  <a14:hiddenLine xmlns:a14="http://schemas.microsoft.com/office/drawing/2010/main" xmlns="" w="9525">
                     <a:solidFill>
                       <a:srgbClr val="000000"/>
                     </a:solidFill>
@@ -10900,7 +10900,7 @@
               </a:ln>
               <a:extLst>
                 <a:ext uri="{91240B29-F687-4f45-9708-019B960494DF}">
-                  <a14:hiddenLine xmlns="" xmlns:a14="http://schemas.microsoft.com/office/drawing/2010/main" w="9525">
+                  <a14:hiddenLine xmlns:a14="http://schemas.microsoft.com/office/drawing/2010/main" xmlns="" w="9525">
                     <a:solidFill>
                       <a:srgbClr val="000000"/>
                     </a:solidFill>
@@ -11020,7 +11020,7 @@
               </a:ln>
               <a:extLst>
                 <a:ext uri="{91240B29-F687-4f45-9708-019B960494DF}">
-                  <a14:hiddenLine xmlns="" xmlns:a14="http://schemas.microsoft.com/office/drawing/2010/main" w="9525">
+                  <a14:hiddenLine xmlns:a14="http://schemas.microsoft.com/office/drawing/2010/main" xmlns="" w="9525">
                     <a:solidFill>
                       <a:srgbClr val="000000"/>
                     </a:solidFill>
@@ -11118,7 +11118,7 @@
               </a:ln>
               <a:extLst>
                 <a:ext uri="{91240B29-F687-4f45-9708-019B960494DF}">
-                  <a14:hiddenLine xmlns="" xmlns:a14="http://schemas.microsoft.com/office/drawing/2010/main" w="9525">
+                  <a14:hiddenLine xmlns:a14="http://schemas.microsoft.com/office/drawing/2010/main" xmlns="" w="9525">
                     <a:solidFill>
                       <a:srgbClr val="000000"/>
                     </a:solidFill>
@@ -11233,7 +11233,7 @@
               </a:ln>
               <a:extLst>
                 <a:ext uri="{91240B29-F687-4f45-9708-019B960494DF}">
-                  <a14:hiddenLine xmlns="" xmlns:a14="http://schemas.microsoft.com/office/drawing/2010/main" w="9525">
+                  <a14:hiddenLine xmlns:a14="http://schemas.microsoft.com/office/drawing/2010/main" xmlns="" w="9525">
                     <a:solidFill>
                       <a:srgbClr val="000000"/>
                     </a:solidFill>
@@ -11323,7 +11323,7 @@
               </a:ln>
               <a:extLst>
                 <a:ext uri="{91240B29-F687-4f45-9708-019B960494DF}">
-                  <a14:hiddenLine xmlns="" xmlns:a14="http://schemas.microsoft.com/office/drawing/2010/main" w="9525">
+                  <a14:hiddenLine xmlns:a14="http://schemas.microsoft.com/office/drawing/2010/main" xmlns="" w="9525">
                     <a:solidFill>
                       <a:srgbClr val="000000"/>
                     </a:solidFill>
@@ -11388,7 +11388,7 @@
               </a:ln>
               <a:extLst>
                 <a:ext uri="{91240B29-F687-4f45-9708-019B960494DF}">
-                  <a14:hiddenLine xmlns="" xmlns:a14="http://schemas.microsoft.com/office/drawing/2010/main" w="9525">
+                  <a14:hiddenLine xmlns:a14="http://schemas.microsoft.com/office/drawing/2010/main" xmlns="" w="9525">
                     <a:solidFill>
                       <a:srgbClr val="000000"/>
                     </a:solidFill>
@@ -11478,7 +11478,7 @@
               </a:ln>
               <a:extLst>
                 <a:ext uri="{91240B29-F687-4f45-9708-019B960494DF}">
-                  <a14:hiddenLine xmlns="" xmlns:a14="http://schemas.microsoft.com/office/drawing/2010/main" w="9525">
+                  <a14:hiddenLine xmlns:a14="http://schemas.microsoft.com/office/drawing/2010/main" xmlns="" w="9525">
                     <a:solidFill>
                       <a:srgbClr val="000000"/>
                     </a:solidFill>
@@ -11546,7 +11546,7 @@
               </a:ln>
               <a:extLst>
                 <a:ext uri="{91240B29-F687-4f45-9708-019B960494DF}">
-                  <a14:hiddenLine xmlns="" xmlns:a14="http://schemas.microsoft.com/office/drawing/2010/main" w="9525">
+                  <a14:hiddenLine xmlns:a14="http://schemas.microsoft.com/office/drawing/2010/main" xmlns="" w="9525">
                     <a:solidFill>
                       <a:srgbClr val="000000"/>
                     </a:solidFill>
@@ -11636,7 +11636,7 @@
               </a:ln>
               <a:extLst>
                 <a:ext uri="{91240B29-F687-4f45-9708-019B960494DF}">
-                  <a14:hiddenLine xmlns="" xmlns:a14="http://schemas.microsoft.com/office/drawing/2010/main" w="9525">
+                  <a14:hiddenLine xmlns:a14="http://schemas.microsoft.com/office/drawing/2010/main" xmlns="" w="9525">
                     <a:solidFill>
                       <a:srgbClr val="000000"/>
                     </a:solidFill>
@@ -11704,7 +11704,7 @@
               </a:ln>
               <a:extLst>
                 <a:ext uri="{91240B29-F687-4f45-9708-019B960494DF}">
-                  <a14:hiddenLine xmlns="" xmlns:a14="http://schemas.microsoft.com/office/drawing/2010/main" w="9525">
+                  <a14:hiddenLine xmlns:a14="http://schemas.microsoft.com/office/drawing/2010/main" xmlns="" w="9525">
                     <a:solidFill>
                       <a:srgbClr val="000000"/>
                     </a:solidFill>
@@ -11794,7 +11794,7 @@
               </a:ln>
               <a:extLst>
                 <a:ext uri="{91240B29-F687-4f45-9708-019B960494DF}">
-                  <a14:hiddenLine xmlns="" xmlns:a14="http://schemas.microsoft.com/office/drawing/2010/main" w="9525">
+                  <a14:hiddenLine xmlns:a14="http://schemas.microsoft.com/office/drawing/2010/main" xmlns="" w="9525">
                     <a:solidFill>
                       <a:srgbClr val="000000"/>
                     </a:solidFill>
@@ -11828,7 +11828,7 @@
               </a:ln>
               <a:extLst>
                 <a:ext uri="{91240B29-F687-4f45-9708-019B960494DF}">
-                  <a14:hiddenLine xmlns="" xmlns:a14="http://schemas.microsoft.com/office/drawing/2010/main" w="9525">
+                  <a14:hiddenLine xmlns:a14="http://schemas.microsoft.com/office/drawing/2010/main" xmlns="" w="9525">
                     <a:solidFill>
                       <a:srgbClr val="000000"/>
                     </a:solidFill>
@@ -11969,7 +11969,7 @@
             <a:fld id="{48A87A34-81AB-432B-8DAE-1953F412C126}" type="datetimeFigureOut">
               <a:rPr lang="en-US" dirty="0"/>
               <a:pPr/>
-              <a:t>3/9/24</a:t>
+              <a:t>3/12/24</a:t>
             </a:fld>
             <a:endParaRPr lang="en-US" dirty="0"/>
           </a:p>
@@ -14895,6 +14895,66 @@
               </a:rPr>
               <a:t>Multumesc! </a:t>
             </a:r>
+            <a:br>
+              <a:rPr lang="en-RO" dirty="0">
+                <a:solidFill>
+                  <a:schemeClr val="bg1"/>
+                </a:solidFill>
+              </a:rPr>
+            </a:br>
+            <a:r>
+              <a:rPr lang="en-GB" sz="1400" dirty="0">
+                <a:solidFill>
+                  <a:schemeClr val="bg1"/>
+                </a:solidFill>
+              </a:rPr>
+              <a:t>https://</a:t>
+            </a:r>
+            <a:r>
+              <a:rPr lang="en-GB" sz="1400" dirty="0" err="1">
+                <a:solidFill>
+                  <a:schemeClr val="bg1"/>
+                </a:solidFill>
+              </a:rPr>
+              <a:t>github.com</a:t>
+            </a:r>
+            <a:r>
+              <a:rPr lang="en-GB" sz="1400" dirty="0">
+                <a:solidFill>
+                  <a:schemeClr val="bg1"/>
+                </a:solidFill>
+              </a:rPr>
+              <a:t>/</a:t>
+            </a:r>
+            <a:r>
+              <a:rPr lang="en-GB" sz="1400" dirty="0" err="1">
+                <a:solidFill>
+                  <a:schemeClr val="bg1"/>
+                </a:solidFill>
+              </a:rPr>
+              <a:t>andreeaharabula</a:t>
+            </a:r>
+            <a:r>
+              <a:rPr lang="en-GB" sz="1400" dirty="0">
+                <a:solidFill>
+                  <a:schemeClr val="bg1"/>
+                </a:solidFill>
+              </a:rPr>
+              <a:t>/</a:t>
+            </a:r>
+            <a:r>
+              <a:rPr lang="en-GB" sz="1400" dirty="0" err="1">
+                <a:solidFill>
+                  <a:schemeClr val="bg1"/>
+                </a:solidFill>
+              </a:rPr>
+              <a:t>Proiect-Testare-Manuala</a:t>
+            </a:r>
+            <a:endParaRPr lang="en-RO" sz="1400" dirty="0">
+              <a:solidFill>
+                <a:schemeClr val="bg1"/>
+              </a:solidFill>
+            </a:endParaRPr>
           </a:p>
         </p:txBody>
       </p:sp>

--- a/Proiect Andreea Harabula.pptx
+++ b/Proiect Andreea Harabula.pptx
@@ -4425,7 +4425,7 @@
           <a:p>
             <a:fld id="{48A87A34-81AB-432B-8DAE-1953F412C126}" type="datetimeFigureOut">
               <a:rPr lang="en-US" dirty="0"/>
-              <a:t>3/12/24</a:t>
+              <a:t>3/24/24</a:t>
             </a:fld>
             <a:endParaRPr lang="en-US" dirty="0"/>
           </a:p>
@@ -4687,7 +4687,7 @@
           <a:p>
             <a:fld id="{48A87A34-81AB-432B-8DAE-1953F412C126}" type="datetimeFigureOut">
               <a:rPr lang="en-US" dirty="0"/>
-              <a:t>3/12/24</a:t>
+              <a:t>3/24/24</a:t>
             </a:fld>
             <a:endParaRPr lang="en-US" dirty="0"/>
           </a:p>
@@ -4878,7 +4878,7 @@
           <a:p>
             <a:fld id="{48A87A34-81AB-432B-8DAE-1953F412C126}" type="datetimeFigureOut">
               <a:rPr lang="en-US" dirty="0"/>
-              <a:t>3/12/24</a:t>
+              <a:t>3/24/24</a:t>
             </a:fld>
             <a:endParaRPr lang="en-US" dirty="0"/>
           </a:p>
@@ -5136,7 +5136,7 @@
           <a:p>
             <a:fld id="{48A87A34-81AB-432B-8DAE-1953F412C126}" type="datetimeFigureOut">
               <a:rPr lang="en-US" dirty="0"/>
-              <a:t>3/12/24</a:t>
+              <a:t>3/24/24</a:t>
             </a:fld>
             <a:endParaRPr lang="en-US" dirty="0"/>
           </a:p>
@@ -5565,7 +5565,7 @@
           <a:p>
             <a:fld id="{48A87A34-81AB-432B-8DAE-1953F412C126}" type="datetimeFigureOut">
               <a:rPr lang="en-US" dirty="0"/>
-              <a:t>3/12/24</a:t>
+              <a:t>3/24/24</a:t>
             </a:fld>
             <a:endParaRPr lang="en-US" dirty="0"/>
           </a:p>
@@ -6106,7 +6106,7 @@
           <a:p>
             <a:fld id="{48A87A34-81AB-432B-8DAE-1953F412C126}" type="datetimeFigureOut">
               <a:rPr lang="en-US" dirty="0"/>
-              <a:t>3/12/24</a:t>
+              <a:t>3/24/24</a:t>
             </a:fld>
             <a:endParaRPr lang="en-US" dirty="0"/>
           </a:p>
@@ -6821,7 +6821,7 @@
           <a:p>
             <a:fld id="{48A87A34-81AB-432B-8DAE-1953F412C126}" type="datetimeFigureOut">
               <a:rPr lang="en-US" dirty="0"/>
-              <a:t>3/12/24</a:t>
+              <a:t>3/24/24</a:t>
             </a:fld>
             <a:endParaRPr lang="en-US" dirty="0"/>
           </a:p>
@@ -6986,7 +6986,7 @@
           <a:p>
             <a:fld id="{48A87A34-81AB-432B-8DAE-1953F412C126}" type="datetimeFigureOut">
               <a:rPr lang="en-US" dirty="0"/>
-              <a:t>3/12/24</a:t>
+              <a:t>3/24/24</a:t>
             </a:fld>
             <a:endParaRPr lang="en-US" dirty="0"/>
           </a:p>
@@ -7161,7 +7161,7 @@
           <a:p>
             <a:fld id="{48A87A34-81AB-432B-8DAE-1953F412C126}" type="datetimeFigureOut">
               <a:rPr lang="en-US" dirty="0"/>
-              <a:t>3/12/24</a:t>
+              <a:t>3/24/24</a:t>
             </a:fld>
             <a:endParaRPr lang="en-US" dirty="0"/>
           </a:p>
@@ -7326,7 +7326,7 @@
           <a:p>
             <a:fld id="{48A87A34-81AB-432B-8DAE-1953F412C126}" type="datetimeFigureOut">
               <a:rPr lang="en-US" dirty="0"/>
-              <a:t>3/12/24</a:t>
+              <a:t>3/24/24</a:t>
             </a:fld>
             <a:endParaRPr lang="en-US" dirty="0"/>
           </a:p>
@@ -7571,7 +7571,7 @@
           <a:p>
             <a:fld id="{48A87A34-81AB-432B-8DAE-1953F412C126}" type="datetimeFigureOut">
               <a:rPr lang="en-US" dirty="0"/>
-              <a:t>3/12/24</a:t>
+              <a:t>3/24/24</a:t>
             </a:fld>
             <a:endParaRPr lang="en-US" dirty="0"/>
           </a:p>
@@ -7798,7 +7798,7 @@
           <a:p>
             <a:fld id="{48A87A34-81AB-432B-8DAE-1953F412C126}" type="datetimeFigureOut">
               <a:rPr lang="en-US" dirty="0"/>
-              <a:t>3/12/24</a:t>
+              <a:t>3/24/24</a:t>
             </a:fld>
             <a:endParaRPr lang="en-US" dirty="0"/>
           </a:p>
@@ -8174,7 +8174,7 @@
           <a:p>
             <a:fld id="{48A87A34-81AB-432B-8DAE-1953F412C126}" type="datetimeFigureOut">
               <a:rPr lang="en-US" dirty="0"/>
-              <a:t>3/12/24</a:t>
+              <a:t>3/24/24</a:t>
             </a:fld>
             <a:endParaRPr lang="en-US" dirty="0"/>
           </a:p>
@@ -8287,7 +8287,7 @@
           <a:p>
             <a:fld id="{48A87A34-81AB-432B-8DAE-1953F412C126}" type="datetimeFigureOut">
               <a:rPr lang="en-US" dirty="0"/>
-              <a:t>3/12/24</a:t>
+              <a:t>3/24/24</a:t>
             </a:fld>
             <a:endParaRPr lang="en-US" dirty="0"/>
           </a:p>
@@ -8377,7 +8377,7 @@
           <a:p>
             <a:fld id="{48A87A34-81AB-432B-8DAE-1953F412C126}" type="datetimeFigureOut">
               <a:rPr lang="en-US" dirty="0"/>
-              <a:t>3/12/24</a:t>
+              <a:t>3/24/24</a:t>
             </a:fld>
             <a:endParaRPr lang="en-US" dirty="0"/>
           </a:p>
@@ -8621,7 +8621,7 @@
           <a:p>
             <a:fld id="{48A87A34-81AB-432B-8DAE-1953F412C126}" type="datetimeFigureOut">
               <a:rPr lang="en-US" dirty="0"/>
-              <a:t>3/12/24</a:t>
+              <a:t>3/24/24</a:t>
             </a:fld>
             <a:endParaRPr lang="en-US" dirty="0"/>
           </a:p>
@@ -8896,7 +8896,7 @@
           <a:p>
             <a:fld id="{48A87A34-81AB-432B-8DAE-1953F412C126}" type="datetimeFigureOut">
               <a:rPr lang="en-US" dirty="0"/>
-              <a:t>3/12/24</a:t>
+              <a:t>3/24/24</a:t>
             </a:fld>
             <a:endParaRPr lang="en-US" dirty="0"/>
           </a:p>
@@ -11969,7 +11969,7 @@
             <a:fld id="{48A87A34-81AB-432B-8DAE-1953F412C126}" type="datetimeFigureOut">
               <a:rPr lang="en-US" dirty="0"/>
               <a:pPr/>
-              <a:t>3/12/24</a:t>
+              <a:t>3/24/24</a:t>
             </a:fld>
             <a:endParaRPr lang="en-US" dirty="0"/>
           </a:p>
@@ -13771,7 +13771,7 @@
                 <a:latin typeface="Times New Roman" panose="02020603050405020304" pitchFamily="18" charset="0"/>
                 <a:cs typeface="Times New Roman" panose="02020603050405020304" pitchFamily="18" charset="0"/>
               </a:rPr>
-              <a:t>– aceasta instructiune returneaza doar randurile care au corespondenta in ambele tabele implicate.</a:t>
+              <a:t>– aceasta instructiune returneaza doar randurile care au corespondenta in ambele tabele implicate. In cazul tabelelor noastre coloanele ce au corespondenta intre ele sunt anul_infiintarii si anul_deschiderii.</a:t>
             </a:r>
           </a:p>
           <a:p>
@@ -13865,7 +13865,7 @@
                 <a:latin typeface="Times New Roman" panose="02020603050405020304" pitchFamily="18" charset="0"/>
                 <a:cs typeface="Times New Roman" panose="02020603050405020304" pitchFamily="18" charset="0"/>
               </a:rPr>
-              <a:t>aceasta operatiune returneaza toate randurile din tabela din dreapta si randurile corespunzatoare tabelei din stanga. In cazul de fata, deoarece tabelele nu au corespondenta intre ele, valorile sunt nule.	</a:t>
+              <a:t>aceasta operatiune returneaza toate randurile din tabela din dreapta (firme_contractate) si randurile corespunzatoare tabelei din stanga (contracte). In cazul de fata, deoarece tabelele nu au corespondenta intre ele, valorile sunt nule.	</a:t>
             </a:r>
           </a:p>
           <a:p>
@@ -13954,7 +13954,7 @@
                 <a:latin typeface="Times New Roman" panose="02020603050405020304" pitchFamily="18" charset="0"/>
                 <a:cs typeface="Times New Roman" panose="02020603050405020304" pitchFamily="18" charset="0"/>
               </a:rPr>
-              <a:t>aceasta operatiune returneaza toate randurile din tabela din stanga si randurile corespunzatoare tabelei din dreapta. In cazul de fata, deoarece tabelele nu au corespondenta intre ele, valorile sunt nule.</a:t>
+              <a:t>aceasta operatiune returneaza toate randurile din tabela din stanga (firme_contractate) si randurile corespunzatoare tabelei din dreapta (contracte). In cazul de fata, deoarece tabelele nu au corespondenta intre ele, valorile sunt nule.</a:t>
             </a:r>
             <a:endParaRPr lang="en-RO" sz="1500" b="1" dirty="0">
               <a:solidFill>
@@ -14129,7 +14129,7 @@
         </p:blipFill>
         <p:spPr>
           <a:xfrm>
-            <a:off x="1143000" y="911707"/>
+            <a:off x="1634906" y="1166702"/>
             <a:ext cx="3517901" cy="1407160"/>
           </a:xfrm>
           <a:prstGeom prst="rect">
@@ -14159,7 +14159,7 @@
         </p:blipFill>
         <p:spPr>
           <a:xfrm>
-            <a:off x="1286834" y="5082885"/>
+            <a:off x="5776773" y="5279634"/>
             <a:ext cx="3479111" cy="1355022"/>
           </a:xfrm>
           <a:prstGeom prst="rect">
@@ -14189,7 +14189,7 @@
         </p:blipFill>
         <p:spPr>
           <a:xfrm>
-            <a:off x="1143000" y="2932526"/>
+            <a:off x="3498387" y="3158398"/>
             <a:ext cx="3517900" cy="1536700"/>
           </a:xfrm>
           <a:prstGeom prst="rect">
@@ -14260,7 +14260,7 @@
               <a:buChar char="ü"/>
             </a:pPr>
             <a:r>
-              <a:rPr lang="en-RO" sz="1400" b="1" dirty="0">
+              <a:rPr lang="en-RO" sz="1200" b="1" dirty="0">
                 <a:solidFill>
                   <a:schemeClr val="bg1"/>
                 </a:solidFill>
@@ -14270,7 +14270,7 @@
               <a:t>CROSS JOIN </a:t>
             </a:r>
             <a:r>
-              <a:rPr lang="en-RO" sz="1400" dirty="0">
+              <a:rPr lang="en-RO" sz="1200" dirty="0">
                 <a:solidFill>
                   <a:schemeClr val="bg1"/>
                 </a:solidFill>
@@ -14285,7 +14285,7 @@
               <a:buFont typeface="Wingdings" pitchFamily="2" charset="2"/>
               <a:buChar char="ü"/>
             </a:pPr>
-            <a:endParaRPr lang="en-RO" sz="1400" dirty="0">
+            <a:endParaRPr lang="en-RO" sz="1200" dirty="0">
               <a:solidFill>
                 <a:schemeClr val="bg1"/>
               </a:solidFill>
@@ -14298,7 +14298,7 @@
               <a:buFont typeface="Wingdings" pitchFamily="2" charset="2"/>
               <a:buChar char="ü"/>
             </a:pPr>
-            <a:endParaRPr lang="en-RO" sz="1400" dirty="0">
+            <a:endParaRPr lang="en-RO" sz="1200" dirty="0">
               <a:solidFill>
                 <a:schemeClr val="bg1"/>
               </a:solidFill>
@@ -14311,7 +14311,7 @@
               <a:buFont typeface="Wingdings" pitchFamily="2" charset="2"/>
               <a:buChar char="ü"/>
             </a:pPr>
-            <a:endParaRPr lang="en-RO" sz="1400" dirty="0">
+            <a:endParaRPr lang="en-RO" sz="1200" dirty="0">
               <a:solidFill>
                 <a:schemeClr val="bg1"/>
               </a:solidFill>
@@ -14324,7 +14324,7 @@
               <a:buFont typeface="Wingdings" pitchFamily="2" charset="2"/>
               <a:buChar char="ü"/>
             </a:pPr>
-            <a:endParaRPr lang="en-RO" sz="1400" dirty="0">
+            <a:endParaRPr lang="en-RO" sz="1200" dirty="0">
               <a:solidFill>
                 <a:schemeClr val="bg1"/>
               </a:solidFill>
@@ -14338,7 +14338,7 @@
               <a:buChar char="ü"/>
             </a:pPr>
             <a:r>
-              <a:rPr lang="en-RO" sz="1400" b="1" dirty="0">
+              <a:rPr lang="en-RO" sz="1200" b="1" dirty="0">
                 <a:solidFill>
                   <a:schemeClr val="bg1"/>
                 </a:solidFill>
@@ -14348,7 +14348,7 @@
               <a:t>LIMITE</a:t>
             </a:r>
             <a:r>
-              <a:rPr lang="en-RO" sz="1400" dirty="0">
+              <a:rPr lang="en-RO" sz="1200" dirty="0">
                 <a:solidFill>
                   <a:schemeClr val="bg1"/>
                 </a:solidFill>
@@ -14362,7 +14362,7 @@
             <a:pPr marL="0" indent="0">
               <a:buNone/>
             </a:pPr>
-            <a:endParaRPr lang="en-RO" sz="1400" dirty="0">
+            <a:endParaRPr lang="en-RO" sz="1200" dirty="0">
               <a:solidFill>
                 <a:schemeClr val="bg1"/>
               </a:solidFill>
@@ -14375,7 +14375,7 @@
               <a:buFont typeface="Wingdings" pitchFamily="2" charset="2"/>
               <a:buChar char="ü"/>
             </a:pPr>
-            <a:endParaRPr lang="en-RO" sz="1400" dirty="0">
+            <a:endParaRPr lang="en-RO" sz="1200" dirty="0">
               <a:solidFill>
                 <a:schemeClr val="bg1"/>
               </a:solidFill>
@@ -14388,7 +14388,7 @@
               <a:buFont typeface="Wingdings" pitchFamily="2" charset="2"/>
               <a:buChar char="ü"/>
             </a:pPr>
-            <a:endParaRPr lang="en-RO" sz="1400" dirty="0">
+            <a:endParaRPr lang="en-RO" sz="1200" dirty="0">
               <a:solidFill>
                 <a:schemeClr val="bg1"/>
               </a:solidFill>
@@ -14401,7 +14401,7 @@
               <a:buFont typeface="Wingdings" pitchFamily="2" charset="2"/>
               <a:buChar char="ü"/>
             </a:pPr>
-            <a:endParaRPr lang="en-RO" sz="1400" dirty="0">
+            <a:endParaRPr lang="en-RO" sz="1200" dirty="0">
               <a:solidFill>
                 <a:schemeClr val="bg1"/>
               </a:solidFill>
@@ -14415,7 +14415,7 @@
               <a:buChar char="ü"/>
             </a:pPr>
             <a:r>
-              <a:rPr lang="en-RO" sz="1400" b="1" dirty="0">
+              <a:rPr lang="en-RO" sz="1200" b="1" dirty="0">
                 <a:solidFill>
                   <a:schemeClr val="bg1"/>
                 </a:solidFill>
@@ -14425,7 +14425,7 @@
               <a:t>ORDER BY – </a:t>
             </a:r>
             <a:r>
-              <a:rPr lang="en-RO" sz="1400" dirty="0">
+              <a:rPr lang="en-RO" sz="1200" dirty="0">
                 <a:solidFill>
                   <a:schemeClr val="bg1"/>
                 </a:solidFill>
@@ -14433,6 +14433,112 @@
                 <a:cs typeface="Times New Roman" panose="02020603050405020304" pitchFamily="18" charset="0"/>
               </a:rPr>
               <a:t>operatiunea aceasta este utilizata pentru a sorta rezultatele unei interogari in functie de una sau mai multe coloane.</a:t>
+            </a:r>
+          </a:p>
+          <a:p>
+            <a:pPr>
+              <a:buFont typeface="Wingdings" pitchFamily="2" charset="2"/>
+              <a:buChar char="ü"/>
+            </a:pPr>
+            <a:endParaRPr lang="en-RO" sz="1200" dirty="0">
+              <a:solidFill>
+                <a:schemeClr val="bg1"/>
+              </a:solidFill>
+              <a:latin typeface="Times New Roman" panose="02020603050405020304" pitchFamily="18" charset="0"/>
+              <a:cs typeface="Times New Roman" panose="02020603050405020304" pitchFamily="18" charset="0"/>
+            </a:endParaRPr>
+          </a:p>
+          <a:p>
+            <a:pPr>
+              <a:buFont typeface="Wingdings" pitchFamily="2" charset="2"/>
+              <a:buChar char="ü"/>
+            </a:pPr>
+            <a:endParaRPr lang="en-RO" sz="1200" dirty="0">
+              <a:solidFill>
+                <a:schemeClr val="bg1"/>
+              </a:solidFill>
+              <a:latin typeface="Times New Roman" panose="02020603050405020304" pitchFamily="18" charset="0"/>
+              <a:cs typeface="Times New Roman" panose="02020603050405020304" pitchFamily="18" charset="0"/>
+            </a:endParaRPr>
+          </a:p>
+          <a:p>
+            <a:pPr>
+              <a:buFont typeface="Wingdings" pitchFamily="2" charset="2"/>
+              <a:buChar char="ü"/>
+            </a:pPr>
+            <a:endParaRPr lang="en-RO" sz="1200" dirty="0">
+              <a:solidFill>
+                <a:schemeClr val="bg1"/>
+              </a:solidFill>
+              <a:latin typeface="Times New Roman" panose="02020603050405020304" pitchFamily="18" charset="0"/>
+              <a:cs typeface="Times New Roman" panose="02020603050405020304" pitchFamily="18" charset="0"/>
+            </a:endParaRPr>
+          </a:p>
+          <a:p>
+            <a:pPr>
+              <a:buFont typeface="Wingdings" pitchFamily="2" charset="2"/>
+              <a:buChar char="ü"/>
+            </a:pPr>
+            <a:endParaRPr lang="en-RO" sz="1200" dirty="0">
+              <a:solidFill>
+                <a:schemeClr val="bg1"/>
+              </a:solidFill>
+              <a:latin typeface="Times New Roman" panose="02020603050405020304" pitchFamily="18" charset="0"/>
+              <a:cs typeface="Times New Roman" panose="02020603050405020304" pitchFamily="18" charset="0"/>
+            </a:endParaRPr>
+          </a:p>
+          <a:p>
+            <a:pPr>
+              <a:buFont typeface="Wingdings" pitchFamily="2" charset="2"/>
+              <a:buChar char="ü"/>
+            </a:pPr>
+            <a:endParaRPr lang="en-RO" sz="1200" dirty="0">
+              <a:solidFill>
+                <a:schemeClr val="bg1"/>
+              </a:solidFill>
+              <a:latin typeface="Times New Roman" panose="02020603050405020304" pitchFamily="18" charset="0"/>
+              <a:cs typeface="Times New Roman" panose="02020603050405020304" pitchFamily="18" charset="0"/>
+            </a:endParaRPr>
+          </a:p>
+          <a:p>
+            <a:pPr>
+              <a:buFont typeface="Wingdings" pitchFamily="2" charset="2"/>
+              <a:buChar char="ü"/>
+            </a:pPr>
+            <a:r>
+              <a:rPr lang="en-RO" sz="1200" b="1" dirty="0">
+                <a:solidFill>
+                  <a:schemeClr val="bg1"/>
+                </a:solidFill>
+                <a:latin typeface="Times New Roman" panose="02020603050405020304" pitchFamily="18" charset="0"/>
+                <a:cs typeface="Times New Roman" panose="02020603050405020304" pitchFamily="18" charset="0"/>
+              </a:rPr>
+              <a:t>GROUP BY – </a:t>
+            </a:r>
+            <a:r>
+              <a:rPr lang="en-RO" sz="1200" dirty="0">
+                <a:solidFill>
+                  <a:schemeClr val="bg1"/>
+                </a:solidFill>
+                <a:latin typeface="Times New Roman" panose="02020603050405020304" pitchFamily="18" charset="0"/>
+                <a:cs typeface="Times New Roman" panose="02020603050405020304" pitchFamily="18" charset="0"/>
+              </a:rPr>
+              <a:t>comanda aceasta este folosita pentru a grupa rezultatele interogarii in functie </a:t>
+            </a:r>
+          </a:p>
+          <a:p>
+            <a:pPr marL="0" indent="0">
+              <a:buNone/>
+            </a:pPr>
+            <a:r>
+              <a:rPr lang="en-RO" sz="1200" dirty="0">
+                <a:solidFill>
+                  <a:schemeClr val="bg1"/>
+                </a:solidFill>
+                <a:latin typeface="Times New Roman" panose="02020603050405020304" pitchFamily="18" charset="0"/>
+                <a:cs typeface="Times New Roman" panose="02020603050405020304" pitchFamily="18" charset="0"/>
+              </a:rPr>
+              <a:t>de valorile din una sau mai multe coloane.</a:t>
             </a:r>
           </a:p>
           <a:p>
@@ -14471,8 +14577,8 @@
         </p:blipFill>
         <p:spPr>
           <a:xfrm>
-            <a:off x="1326186" y="639179"/>
-            <a:ext cx="3153217" cy="1509648"/>
+            <a:off x="1326186" y="521948"/>
+            <a:ext cx="3002295" cy="1437392"/>
           </a:xfrm>
           <a:prstGeom prst="rect">
             <a:avLst/>
@@ -14501,7 +14607,7 @@
         </p:blipFill>
         <p:spPr>
           <a:xfrm>
-            <a:off x="1326186" y="2646180"/>
+            <a:off x="1360459" y="2289147"/>
             <a:ext cx="2968022" cy="1425321"/>
           </a:xfrm>
           <a:prstGeom prst="rect">
@@ -14531,8 +14637,38 @@
         </p:blipFill>
         <p:spPr>
           <a:xfrm>
-            <a:off x="1326186" y="4568853"/>
-            <a:ext cx="2968400" cy="1649967"/>
+            <a:off x="1370303" y="4044275"/>
+            <a:ext cx="2650203" cy="1473099"/>
+          </a:xfrm>
+          <a:prstGeom prst="rect">
+            <a:avLst/>
+          </a:prstGeom>
+        </p:spPr>
+      </p:pic>
+      <p:pic>
+        <p:nvPicPr>
+          <p:cNvPr id="6" name="Picture 5" descr="A screenshot of a computer&#10;&#10;Description automatically generated">
+            <a:extLst>
+              <a:ext uri="{FF2B5EF4-FFF2-40B4-BE49-F238E27FC236}">
+                <a16:creationId xmlns:a16="http://schemas.microsoft.com/office/drawing/2014/main" id="{86091B0D-C0FC-E8A3-B26E-26EABB60D07B}"/>
+              </a:ext>
+            </a:extLst>
+          </p:cNvPr>
+          <p:cNvPicPr>
+            <a:picLocks noChangeAspect="1"/>
+          </p:cNvPicPr>
+          <p:nvPr/>
+        </p:nvPicPr>
+        <p:blipFill>
+          <a:blip r:embed="rId5"/>
+          <a:stretch>
+            <a:fillRect/>
+          </a:stretch>
+        </p:blipFill>
+        <p:spPr>
+          <a:xfrm>
+            <a:off x="7265697" y="5356469"/>
+            <a:ext cx="3556000" cy="1397000"/>
           </a:xfrm>
           <a:prstGeom prst="rect">
             <a:avLst/>
@@ -14587,13 +14723,13 @@
         </p:nvSpPr>
         <p:spPr>
           <a:xfrm>
-            <a:off x="1141412" y="370390"/>
-            <a:ext cx="9905999" cy="6088283"/>
+            <a:off x="1141412" y="94528"/>
+            <a:ext cx="9905999" cy="6364146"/>
           </a:xfrm>
         </p:spPr>
         <p:txBody>
           <a:bodyPr>
-            <a:normAutofit/>
+            <a:normAutofit lnSpcReduction="10000"/>
           </a:bodyPr>
           <a:lstStyle/>
           <a:p>
@@ -14602,24 +14738,24 @@
               <a:buChar char="ü"/>
             </a:pPr>
             <a:r>
-              <a:rPr lang="en-RO" sz="1400" b="1" dirty="0">
-                <a:solidFill>
-                  <a:schemeClr val="bg1"/>
-                </a:solidFill>
-                <a:latin typeface="Times New Roman" panose="02020603050405020304" pitchFamily="18" charset="0"/>
-                <a:cs typeface="Times New Roman" panose="02020603050405020304" pitchFamily="18" charset="0"/>
-              </a:rPr>
-              <a:t>CHEI PRIMARE – </a:t>
-            </a:r>
-            <a:r>
-              <a:rPr lang="en-RO" sz="1400" dirty="0">
-                <a:solidFill>
-                  <a:schemeClr val="bg1"/>
-                </a:solidFill>
-                <a:latin typeface="Times New Roman" panose="02020603050405020304" pitchFamily="18" charset="0"/>
-                <a:cs typeface="Times New Roman" panose="02020603050405020304" pitchFamily="18" charset="0"/>
-              </a:rPr>
-              <a:t>cu ajutor acestei instructiuni se identifica in mod unic o intregistrare intr-o tabela.</a:t>
+              <a:rPr lang="en-RO" sz="1200" b="1" dirty="0">
+                <a:solidFill>
+                  <a:schemeClr val="bg1"/>
+                </a:solidFill>
+                <a:latin typeface="Times New Roman" panose="02020603050405020304" pitchFamily="18" charset="0"/>
+                <a:cs typeface="Times New Roman" panose="02020603050405020304" pitchFamily="18" charset="0"/>
+              </a:rPr>
+              <a:t>HAVING – </a:t>
+            </a:r>
+            <a:r>
+              <a:rPr lang="en-RO" sz="1200" dirty="0">
+                <a:solidFill>
+                  <a:schemeClr val="bg1"/>
+                </a:solidFill>
+                <a:latin typeface="Times New Roman" panose="02020603050405020304" pitchFamily="18" charset="0"/>
+                <a:cs typeface="Times New Roman" panose="02020603050405020304" pitchFamily="18" charset="0"/>
+              </a:rPr>
+              <a:t>comanda having este utilizata impreuna cu Group By pentru a aplica, conditii de filtrare pe grupurile rezultate.</a:t>
             </a:r>
           </a:p>
           <a:p>
@@ -14627,7 +14763,7 @@
               <a:buFont typeface="Wingdings" pitchFamily="2" charset="2"/>
               <a:buChar char="ü"/>
             </a:pPr>
-            <a:endParaRPr lang="en-RO" sz="1400" dirty="0">
+            <a:endParaRPr lang="en-RO" sz="1200" dirty="0">
               <a:solidFill>
                 <a:schemeClr val="bg1"/>
               </a:solidFill>
@@ -14640,7 +14776,7 @@
               <a:buFont typeface="Wingdings" pitchFamily="2" charset="2"/>
               <a:buChar char="ü"/>
             </a:pPr>
-            <a:endParaRPr lang="en-RO" sz="1400" dirty="0">
+            <a:endParaRPr lang="en-RO" sz="1200" b="1" dirty="0">
               <a:solidFill>
                 <a:schemeClr val="bg1"/>
               </a:solidFill>
@@ -14653,7 +14789,7 @@
               <a:buFont typeface="Wingdings" pitchFamily="2" charset="2"/>
               <a:buChar char="ü"/>
             </a:pPr>
-            <a:endParaRPr lang="en-RO" sz="1400" dirty="0">
+            <a:endParaRPr lang="en-RO" sz="1200" b="1" dirty="0">
               <a:solidFill>
                 <a:schemeClr val="bg1"/>
               </a:solidFill>
@@ -14666,7 +14802,32 @@
               <a:buFont typeface="Wingdings" pitchFamily="2" charset="2"/>
               <a:buChar char="ü"/>
             </a:pPr>
-            <a:endParaRPr lang="en-RO" sz="1400" dirty="0">
+            <a:r>
+              <a:rPr lang="en-RO" sz="1200" b="1" dirty="0">
+                <a:solidFill>
+                  <a:schemeClr val="bg1"/>
+                </a:solidFill>
+                <a:latin typeface="Times New Roman" panose="02020603050405020304" pitchFamily="18" charset="0"/>
+                <a:cs typeface="Times New Roman" panose="02020603050405020304" pitchFamily="18" charset="0"/>
+              </a:rPr>
+              <a:t>SELECT cu multiple conditii de filtrare – </a:t>
+            </a:r>
+            <a:r>
+              <a:rPr lang="en-RO" sz="1200" dirty="0">
+                <a:solidFill>
+                  <a:schemeClr val="bg1"/>
+                </a:solidFill>
+                <a:latin typeface="Times New Roman" panose="02020603050405020304" pitchFamily="18" charset="0"/>
+                <a:cs typeface="Times New Roman" panose="02020603050405020304" pitchFamily="18" charset="0"/>
+              </a:rPr>
+              <a:t>pentru a face filtrarea cu mai multe conditii se utilizeaza comanda WHERE. Aceasta permite sa specifici mai multe conditii de filtrare</a:t>
+            </a:r>
+          </a:p>
+          <a:p>
+            <a:pPr marL="0" indent="0">
+              <a:buNone/>
+            </a:pPr>
+            <a:endParaRPr lang="en-RO" sz="1200" b="1" dirty="0">
               <a:solidFill>
                 <a:schemeClr val="bg1"/>
               </a:solidFill>
@@ -14675,11 +14836,10 @@
             </a:endParaRPr>
           </a:p>
           <a:p>
-            <a:pPr>
-              <a:buFont typeface="Wingdings" pitchFamily="2" charset="2"/>
-              <a:buChar char="ü"/>
+            <a:pPr marL="0" indent="0">
+              <a:buNone/>
             </a:pPr>
-            <a:endParaRPr lang="en-RO" sz="1400" dirty="0">
+            <a:endParaRPr lang="en-RO" sz="1200" b="1" dirty="0">
               <a:solidFill>
                 <a:schemeClr val="bg1"/>
               </a:solidFill>
@@ -14688,11 +14848,10 @@
             </a:endParaRPr>
           </a:p>
           <a:p>
-            <a:pPr>
-              <a:buFont typeface="Wingdings" pitchFamily="2" charset="2"/>
-              <a:buChar char="ü"/>
+            <a:pPr marL="0" indent="0">
+              <a:buNone/>
             </a:pPr>
-            <a:endParaRPr lang="en-RO" sz="1400" dirty="0">
+            <a:endParaRPr lang="en-RO" sz="1200" b="1" dirty="0">
               <a:solidFill>
                 <a:schemeClr val="bg1"/>
               </a:solidFill>
@@ -14701,12 +14860,129 @@
             </a:endParaRPr>
           </a:p>
           <a:p>
+            <a:pPr marL="0" indent="0">
+              <a:buNone/>
+            </a:pPr>
+            <a:endParaRPr lang="en-RO" sz="1200" b="1" dirty="0">
+              <a:solidFill>
+                <a:schemeClr val="bg1"/>
+              </a:solidFill>
+              <a:latin typeface="Times New Roman" panose="02020603050405020304" pitchFamily="18" charset="0"/>
+              <a:cs typeface="Times New Roman" panose="02020603050405020304" pitchFamily="18" charset="0"/>
+            </a:endParaRPr>
+          </a:p>
+          <a:p>
             <a:pPr>
               <a:buFont typeface="Wingdings" pitchFamily="2" charset="2"/>
               <a:buChar char="ü"/>
             </a:pPr>
             <a:r>
-              <a:rPr lang="en-RO" sz="1400" b="1" dirty="0">
+              <a:rPr lang="en-RO" sz="1200" b="1" dirty="0">
+                <a:solidFill>
+                  <a:schemeClr val="bg1"/>
+                </a:solidFill>
+                <a:latin typeface="Times New Roman" panose="02020603050405020304" pitchFamily="18" charset="0"/>
+                <a:cs typeface="Times New Roman" panose="02020603050405020304" pitchFamily="18" charset="0"/>
+              </a:rPr>
+              <a:t>CHEI PRIMARE – </a:t>
+            </a:r>
+            <a:r>
+              <a:rPr lang="en-RO" sz="1200" dirty="0">
+                <a:solidFill>
+                  <a:schemeClr val="bg1"/>
+                </a:solidFill>
+                <a:latin typeface="Times New Roman" panose="02020603050405020304" pitchFamily="18" charset="0"/>
+                <a:cs typeface="Times New Roman" panose="02020603050405020304" pitchFamily="18" charset="0"/>
+              </a:rPr>
+              <a:t>cu ajutor acestei instructiuni se </a:t>
+            </a:r>
+          </a:p>
+          <a:p>
+            <a:pPr marL="0" indent="0">
+              <a:buNone/>
+            </a:pPr>
+            <a:r>
+              <a:rPr lang="en-RO" sz="1200" dirty="0">
+                <a:solidFill>
+                  <a:schemeClr val="bg1"/>
+                </a:solidFill>
+                <a:latin typeface="Times New Roman" panose="02020603050405020304" pitchFamily="18" charset="0"/>
+                <a:cs typeface="Times New Roman" panose="02020603050405020304" pitchFamily="18" charset="0"/>
+              </a:rPr>
+              <a:t>identifica in mod unic o intregistrare intr-o tabela.</a:t>
+            </a:r>
+          </a:p>
+          <a:p>
+            <a:pPr>
+              <a:buFont typeface="Wingdings" pitchFamily="2" charset="2"/>
+              <a:buChar char="ü"/>
+            </a:pPr>
+            <a:endParaRPr lang="en-RO" sz="1200" dirty="0">
+              <a:solidFill>
+                <a:schemeClr val="bg1"/>
+              </a:solidFill>
+              <a:latin typeface="Times New Roman" panose="02020603050405020304" pitchFamily="18" charset="0"/>
+              <a:cs typeface="Times New Roman" panose="02020603050405020304" pitchFamily="18" charset="0"/>
+            </a:endParaRPr>
+          </a:p>
+          <a:p>
+            <a:pPr>
+              <a:buFont typeface="Wingdings" pitchFamily="2" charset="2"/>
+              <a:buChar char="ü"/>
+            </a:pPr>
+            <a:endParaRPr lang="en-RO" sz="1200" dirty="0">
+              <a:solidFill>
+                <a:schemeClr val="bg1"/>
+              </a:solidFill>
+              <a:latin typeface="Times New Roman" panose="02020603050405020304" pitchFamily="18" charset="0"/>
+              <a:cs typeface="Times New Roman" panose="02020603050405020304" pitchFamily="18" charset="0"/>
+            </a:endParaRPr>
+          </a:p>
+          <a:p>
+            <a:pPr>
+              <a:buFont typeface="Wingdings" pitchFamily="2" charset="2"/>
+              <a:buChar char="ü"/>
+            </a:pPr>
+            <a:endParaRPr lang="en-RO" sz="1200" dirty="0">
+              <a:solidFill>
+                <a:schemeClr val="bg1"/>
+              </a:solidFill>
+              <a:latin typeface="Times New Roman" panose="02020603050405020304" pitchFamily="18" charset="0"/>
+              <a:cs typeface="Times New Roman" panose="02020603050405020304" pitchFamily="18" charset="0"/>
+            </a:endParaRPr>
+          </a:p>
+          <a:p>
+            <a:pPr marL="0" indent="0">
+              <a:buNone/>
+            </a:pPr>
+            <a:endParaRPr lang="en-RO" sz="1200" dirty="0">
+              <a:solidFill>
+                <a:schemeClr val="bg1"/>
+              </a:solidFill>
+              <a:latin typeface="Times New Roman" panose="02020603050405020304" pitchFamily="18" charset="0"/>
+              <a:cs typeface="Times New Roman" panose="02020603050405020304" pitchFamily="18" charset="0"/>
+            </a:endParaRPr>
+          </a:p>
+          <a:p>
+            <a:pPr>
+              <a:buFont typeface="Wingdings" pitchFamily="2" charset="2"/>
+              <a:buChar char="ü"/>
+            </a:pPr>
+            <a:endParaRPr lang="en-RO" sz="1200" dirty="0">
+              <a:solidFill>
+                <a:schemeClr val="bg1"/>
+              </a:solidFill>
+              <a:latin typeface="Times New Roman" panose="02020603050405020304" pitchFamily="18" charset="0"/>
+              <a:cs typeface="Times New Roman" panose="02020603050405020304" pitchFamily="18" charset="0"/>
+            </a:endParaRPr>
+          </a:p>
+          <a:p>
+            <a:pPr>
+              <a:buFont typeface="Wingdings" pitchFamily="2" charset="2"/>
+              <a:buChar char="ü"/>
+            </a:pPr>
+            <a:r>
+              <a:rPr lang="en-RO" sz="1200" b="1" dirty="0">
                 <a:solidFill>
                   <a:schemeClr val="bg1"/>
                 </a:solidFill>
@@ -14716,14 +14992,29 @@
               <a:t>CHEIE SECUNDARA – </a:t>
             </a:r>
             <a:r>
-              <a:rPr lang="en-RO" sz="1400" dirty="0">
-                <a:solidFill>
-                  <a:schemeClr val="bg1"/>
-                </a:solidFill>
-                <a:latin typeface="Times New Roman" panose="02020603050405020304" pitchFamily="18" charset="0"/>
-                <a:cs typeface="Times New Roman" panose="02020603050405020304" pitchFamily="18" charset="0"/>
-              </a:rPr>
-              <a:t>folosind aceasta instructiune se stabileste o relatie intre cele doua tabele si asigura integritatea referentiala.</a:t>
+              <a:rPr lang="en-RO" sz="1200" dirty="0">
+                <a:solidFill>
+                  <a:schemeClr val="bg1"/>
+                </a:solidFill>
+                <a:latin typeface="Times New Roman" panose="02020603050405020304" pitchFamily="18" charset="0"/>
+                <a:cs typeface="Times New Roman" panose="02020603050405020304" pitchFamily="18" charset="0"/>
+              </a:rPr>
+              <a:t>folosind aceasta instructiune se stabileste </a:t>
+            </a:r>
+          </a:p>
+          <a:p>
+            <a:pPr marL="0" indent="0">
+              <a:buNone/>
+            </a:pPr>
+            <a:r>
+              <a:rPr lang="en-RO" sz="1200" dirty="0">
+                <a:solidFill>
+                  <a:schemeClr val="bg1"/>
+                </a:solidFill>
+                <a:latin typeface="Times New Roman" panose="02020603050405020304" pitchFamily="18" charset="0"/>
+                <a:cs typeface="Times New Roman" panose="02020603050405020304" pitchFamily="18" charset="0"/>
+              </a:rPr>
+              <a:t>o relatie intre cele doua tabele si asigura integritatea referentiala.</a:t>
             </a:r>
           </a:p>
           <a:p>
@@ -14762,8 +15053,8 @@
         </p:blipFill>
         <p:spPr>
           <a:xfrm>
-            <a:off x="1141412" y="888758"/>
-            <a:ext cx="3875849" cy="1206259"/>
+            <a:off x="1396499" y="4041919"/>
+            <a:ext cx="2981278" cy="927847"/>
           </a:xfrm>
           <a:prstGeom prst="rect">
             <a:avLst/>
@@ -14792,8 +15083,8 @@
         </p:blipFill>
         <p:spPr>
           <a:xfrm>
-            <a:off x="5491086" y="888758"/>
-            <a:ext cx="5082499" cy="1484775"/>
+            <a:off x="4736123" y="3586514"/>
+            <a:ext cx="3223215" cy="941613"/>
           </a:xfrm>
           <a:prstGeom prst="rect">
             <a:avLst/>
@@ -14822,8 +15113,98 @@
         </p:blipFill>
         <p:spPr>
           <a:xfrm>
-            <a:off x="1390235" y="3635735"/>
-            <a:ext cx="3875849" cy="2214771"/>
+            <a:off x="5873262" y="4985168"/>
+            <a:ext cx="3681046" cy="1778305"/>
+          </a:xfrm>
+          <a:prstGeom prst="rect">
+            <a:avLst/>
+          </a:prstGeom>
+        </p:spPr>
+      </p:pic>
+      <p:pic>
+        <p:nvPicPr>
+          <p:cNvPr id="4" name="Picture 3" descr="A screenshot of a computer code&#10;&#10;Description automatically generated">
+            <a:extLst>
+              <a:ext uri="{FF2B5EF4-FFF2-40B4-BE49-F238E27FC236}">
+                <a16:creationId xmlns:a16="http://schemas.microsoft.com/office/drawing/2014/main" id="{B5D343A1-9741-4DDE-C4B8-69606687451B}"/>
+              </a:ext>
+            </a:extLst>
+          </p:cNvPr>
+          <p:cNvPicPr>
+            <a:picLocks noChangeAspect="1"/>
+          </p:cNvPicPr>
+          <p:nvPr/>
+        </p:nvPicPr>
+        <p:blipFill>
+          <a:blip r:embed="rId5"/>
+          <a:stretch>
+            <a:fillRect/>
+          </a:stretch>
+        </p:blipFill>
+        <p:spPr>
+          <a:xfrm>
+            <a:off x="1289539" y="498973"/>
+            <a:ext cx="3200400" cy="508000"/>
+          </a:xfrm>
+          <a:prstGeom prst="rect">
+            <a:avLst/>
+          </a:prstGeom>
+        </p:spPr>
+      </p:pic>
+      <p:pic>
+        <p:nvPicPr>
+          <p:cNvPr id="8" name="Picture 7" descr="A screenshot of a computer&#10;&#10;Description automatically generated">
+            <a:extLst>
+              <a:ext uri="{FF2B5EF4-FFF2-40B4-BE49-F238E27FC236}">
+                <a16:creationId xmlns:a16="http://schemas.microsoft.com/office/drawing/2014/main" id="{0C58A688-D3C2-A9C7-5FEF-9FEEAFEC1E38}"/>
+              </a:ext>
+            </a:extLst>
+          </p:cNvPr>
+          <p:cNvPicPr>
+            <a:picLocks noChangeAspect="1"/>
+          </p:cNvPicPr>
+          <p:nvPr/>
+        </p:nvPicPr>
+        <p:blipFill>
+          <a:blip r:embed="rId6"/>
+          <a:stretch>
+            <a:fillRect/>
+          </a:stretch>
+        </p:blipFill>
+        <p:spPr>
+          <a:xfrm>
+            <a:off x="4736122" y="445736"/>
+            <a:ext cx="1770185" cy="934904"/>
+          </a:xfrm>
+          <a:prstGeom prst="rect">
+            <a:avLst/>
+          </a:prstGeom>
+        </p:spPr>
+      </p:pic>
+      <p:pic>
+        <p:nvPicPr>
+          <p:cNvPr id="11" name="Picture 10" descr="A screenshot of a computer&#10;&#10;Description automatically generated">
+            <a:extLst>
+              <a:ext uri="{FF2B5EF4-FFF2-40B4-BE49-F238E27FC236}">
+                <a16:creationId xmlns:a16="http://schemas.microsoft.com/office/drawing/2014/main" id="{BA8CBA0C-A0D9-BE82-4E6E-62B7D1E182CB}"/>
+              </a:ext>
+            </a:extLst>
+          </p:cNvPr>
+          <p:cNvPicPr>
+            <a:picLocks noChangeAspect="1"/>
+          </p:cNvPicPr>
+          <p:nvPr/>
+        </p:nvPicPr>
+        <p:blipFill>
+          <a:blip r:embed="rId7"/>
+          <a:stretch>
+            <a:fillRect/>
+          </a:stretch>
+        </p:blipFill>
+        <p:spPr>
+          <a:xfrm>
+            <a:off x="1441267" y="1941597"/>
+            <a:ext cx="3213100" cy="1181100"/>
           </a:xfrm>
           <a:prstGeom prst="rect">
             <a:avLst/>
@@ -17856,6 +18237,16 @@
               <a:buNone/>
             </a:pPr>
             <a:r>
+              <a:rPr lang="en-GB" sz="6400" b="1" dirty="0">
+                <a:solidFill>
+                  <a:schemeClr val="bg1"/>
+                </a:solidFill>
+                <a:latin typeface="Times New Roman" panose="02020603050405020304" pitchFamily="18" charset="0"/>
+                <a:cs typeface="Times New Roman" panose="02020603050405020304" pitchFamily="18" charset="0"/>
+              </a:rPr>
+              <a:t>6</a:t>
+            </a:r>
+            <a:r>
               <a:rPr lang="en-GB" sz="6400" b="1" i="0" dirty="0">
                 <a:solidFill>
                   <a:schemeClr val="bg1"/>
@@ -17864,7 +18255,7 @@
                 <a:latin typeface="Times New Roman" panose="02020603050405020304" pitchFamily="18" charset="0"/>
                 <a:cs typeface="Times New Roman" panose="02020603050405020304" pitchFamily="18" charset="0"/>
               </a:rPr>
-              <a:t>6. </a:t>
+              <a:t>. </a:t>
             </a:r>
             <a:r>
               <a:rPr lang="en-GB" sz="6400" b="1" i="0" dirty="0" err="1">
@@ -17875,7 +18266,7 @@
                 <a:latin typeface="Times New Roman" panose="02020603050405020304" pitchFamily="18" charset="0"/>
                 <a:cs typeface="Times New Roman" panose="02020603050405020304" pitchFamily="18" charset="0"/>
               </a:rPr>
-              <a:t>Analiza</a:t>
+              <a:t>Urmărire</a:t>
             </a:r>
             <a:r>
               <a:rPr lang="en-GB" sz="6400" b="1" i="0" dirty="0">
@@ -17897,7 +18288,7 @@
                 <a:latin typeface="Times New Roman" panose="02020603050405020304" pitchFamily="18" charset="0"/>
                 <a:cs typeface="Times New Roman" panose="02020603050405020304" pitchFamily="18" charset="0"/>
               </a:rPr>
-              <a:t>rezultatelor</a:t>
+              <a:t>și</a:t>
             </a:r>
             <a:r>
               <a:rPr lang="en-GB" sz="6400" b="1" i="0" dirty="0">
@@ -17919,10 +18310,444 @@
                 <a:latin typeface="Times New Roman" panose="02020603050405020304" pitchFamily="18" charset="0"/>
                 <a:cs typeface="Times New Roman" panose="02020603050405020304" pitchFamily="18" charset="0"/>
               </a:rPr>
+              <a:t>gestionare</a:t>
+            </a:r>
+            <a:r>
+              <a:rPr lang="en-GB" sz="6400" b="1" i="0" dirty="0">
+                <a:solidFill>
+                  <a:schemeClr val="bg1"/>
+                </a:solidFill>
+                <a:effectLst/>
+                <a:latin typeface="Times New Roman" panose="02020603050405020304" pitchFamily="18" charset="0"/>
+                <a:cs typeface="Times New Roman" panose="02020603050405020304" pitchFamily="18" charset="0"/>
+              </a:rPr>
+              <a:t> (Test Monitoring and Control):</a:t>
+            </a:r>
+            <a:r>
+              <a:rPr lang="en-GB" sz="6400" dirty="0">
+                <a:solidFill>
+                  <a:schemeClr val="bg1"/>
+                </a:solidFill>
+                <a:latin typeface="Times New Roman" panose="02020603050405020304" pitchFamily="18" charset="0"/>
+                <a:cs typeface="Times New Roman" panose="02020603050405020304" pitchFamily="18" charset="0"/>
+              </a:rPr>
+              <a:t> </a:t>
+            </a:r>
+            <a:r>
+              <a:rPr lang="en-GB" sz="6400" dirty="0" err="1">
+                <a:solidFill>
+                  <a:schemeClr val="bg1"/>
+                </a:solidFill>
+                <a:latin typeface="Times New Roman" panose="02020603050405020304" pitchFamily="18" charset="0"/>
+                <a:cs typeface="Times New Roman" panose="02020603050405020304" pitchFamily="18" charset="0"/>
+              </a:rPr>
+              <a:t>m</a:t>
+            </a:r>
+            <a:r>
+              <a:rPr lang="en-GB" sz="6400" b="0" i="0" dirty="0" err="1">
+                <a:solidFill>
+                  <a:schemeClr val="bg1"/>
+                </a:solidFill>
+                <a:effectLst/>
+                <a:latin typeface="Times New Roman" panose="02020603050405020304" pitchFamily="18" charset="0"/>
+                <a:cs typeface="Times New Roman" panose="02020603050405020304" pitchFamily="18" charset="0"/>
+              </a:rPr>
+              <a:t>onitorizarea</a:t>
+            </a:r>
+            <a:r>
+              <a:rPr lang="en-GB" sz="6400" b="0" i="0" dirty="0">
+                <a:solidFill>
+                  <a:schemeClr val="bg1"/>
+                </a:solidFill>
+                <a:effectLst/>
+                <a:latin typeface="Times New Roman" panose="02020603050405020304" pitchFamily="18" charset="0"/>
+                <a:cs typeface="Times New Roman" panose="02020603050405020304" pitchFamily="18" charset="0"/>
+              </a:rPr>
+              <a:t> </a:t>
+            </a:r>
+            <a:r>
+              <a:rPr lang="en-GB" sz="6400" b="0" i="0" dirty="0" err="1">
+                <a:solidFill>
+                  <a:schemeClr val="bg1"/>
+                </a:solidFill>
+                <a:effectLst/>
+                <a:latin typeface="Times New Roman" panose="02020603050405020304" pitchFamily="18" charset="0"/>
+                <a:cs typeface="Times New Roman" panose="02020603050405020304" pitchFamily="18" charset="0"/>
+              </a:rPr>
+              <a:t>progresului</a:t>
+            </a:r>
+            <a:r>
+              <a:rPr lang="en-GB" sz="6400" b="0" i="0" dirty="0">
+                <a:solidFill>
+                  <a:schemeClr val="bg1"/>
+                </a:solidFill>
+                <a:effectLst/>
+                <a:latin typeface="Times New Roman" panose="02020603050405020304" pitchFamily="18" charset="0"/>
+                <a:cs typeface="Times New Roman" panose="02020603050405020304" pitchFamily="18" charset="0"/>
+              </a:rPr>
+              <a:t> </a:t>
+            </a:r>
+            <a:r>
+              <a:rPr lang="en-GB" sz="6400" b="0" i="0" dirty="0" err="1">
+                <a:solidFill>
+                  <a:schemeClr val="bg1"/>
+                </a:solidFill>
+                <a:effectLst/>
+                <a:latin typeface="Times New Roman" panose="02020603050405020304" pitchFamily="18" charset="0"/>
+                <a:cs typeface="Times New Roman" panose="02020603050405020304" pitchFamily="18" charset="0"/>
+              </a:rPr>
+              <a:t>testelor</a:t>
+            </a:r>
+            <a:r>
+              <a:rPr lang="en-GB" sz="6400" b="0" i="0" dirty="0">
+                <a:solidFill>
+                  <a:schemeClr val="bg1"/>
+                </a:solidFill>
+                <a:effectLst/>
+                <a:latin typeface="Times New Roman" panose="02020603050405020304" pitchFamily="18" charset="0"/>
+                <a:cs typeface="Times New Roman" panose="02020603050405020304" pitchFamily="18" charset="0"/>
+              </a:rPr>
+              <a:t> </a:t>
+            </a:r>
+            <a:r>
+              <a:rPr lang="en-GB" sz="6400" b="0" i="0" dirty="0" err="1">
+                <a:solidFill>
+                  <a:schemeClr val="bg1"/>
+                </a:solidFill>
+                <a:effectLst/>
+                <a:latin typeface="Times New Roman" panose="02020603050405020304" pitchFamily="18" charset="0"/>
+                <a:cs typeface="Times New Roman" panose="02020603050405020304" pitchFamily="18" charset="0"/>
+              </a:rPr>
+              <a:t>în</a:t>
+            </a:r>
+            <a:r>
+              <a:rPr lang="en-GB" sz="6400" b="0" i="0" dirty="0">
+                <a:solidFill>
+                  <a:schemeClr val="bg1"/>
+                </a:solidFill>
+                <a:effectLst/>
+                <a:latin typeface="Times New Roman" panose="02020603050405020304" pitchFamily="18" charset="0"/>
+                <a:cs typeface="Times New Roman" panose="02020603050405020304" pitchFamily="18" charset="0"/>
+              </a:rPr>
+              <a:t> </a:t>
+            </a:r>
+            <a:r>
+              <a:rPr lang="en-GB" sz="6400" b="0" i="0" dirty="0" err="1">
+                <a:solidFill>
+                  <a:schemeClr val="bg1"/>
+                </a:solidFill>
+                <a:effectLst/>
+                <a:latin typeface="Times New Roman" panose="02020603050405020304" pitchFamily="18" charset="0"/>
+                <a:cs typeface="Times New Roman" panose="02020603050405020304" pitchFamily="18" charset="0"/>
+              </a:rPr>
+              <a:t>raport</a:t>
+            </a:r>
+            <a:r>
+              <a:rPr lang="en-GB" sz="6400" b="0" i="0" dirty="0">
+                <a:solidFill>
+                  <a:schemeClr val="bg1"/>
+                </a:solidFill>
+                <a:effectLst/>
+                <a:latin typeface="Times New Roman" panose="02020603050405020304" pitchFamily="18" charset="0"/>
+                <a:cs typeface="Times New Roman" panose="02020603050405020304" pitchFamily="18" charset="0"/>
+              </a:rPr>
+              <a:t> cu </a:t>
+            </a:r>
+            <a:r>
+              <a:rPr lang="en-GB" sz="6400" b="0" i="0" dirty="0" err="1">
+                <a:solidFill>
+                  <a:schemeClr val="bg1"/>
+                </a:solidFill>
+                <a:effectLst/>
+                <a:latin typeface="Times New Roman" panose="02020603050405020304" pitchFamily="18" charset="0"/>
+                <a:cs typeface="Times New Roman" panose="02020603050405020304" pitchFamily="18" charset="0"/>
+              </a:rPr>
+              <a:t>planurile</a:t>
+            </a:r>
+            <a:r>
+              <a:rPr lang="en-GB" sz="6400" b="0" i="0" dirty="0">
+                <a:solidFill>
+                  <a:schemeClr val="bg1"/>
+                </a:solidFill>
+                <a:effectLst/>
+                <a:latin typeface="Times New Roman" panose="02020603050405020304" pitchFamily="18" charset="0"/>
+                <a:cs typeface="Times New Roman" panose="02020603050405020304" pitchFamily="18" charset="0"/>
+              </a:rPr>
+              <a:t> de </a:t>
+            </a:r>
+            <a:r>
+              <a:rPr lang="en-GB" sz="6400" b="0" i="0" dirty="0" err="1">
+                <a:solidFill>
+                  <a:schemeClr val="bg1"/>
+                </a:solidFill>
+                <a:effectLst/>
+                <a:latin typeface="Times New Roman" panose="02020603050405020304" pitchFamily="18" charset="0"/>
+                <a:cs typeface="Times New Roman" panose="02020603050405020304" pitchFamily="18" charset="0"/>
+              </a:rPr>
+              <a:t>testare</a:t>
+            </a:r>
+            <a:r>
+              <a:rPr lang="en-GB" sz="6400" dirty="0">
+                <a:solidFill>
+                  <a:schemeClr val="bg1"/>
+                </a:solidFill>
+                <a:latin typeface="Times New Roman" panose="02020603050405020304" pitchFamily="18" charset="0"/>
+                <a:cs typeface="Times New Roman" panose="02020603050405020304" pitchFamily="18" charset="0"/>
+              </a:rPr>
+              <a:t>, </a:t>
+            </a:r>
+            <a:r>
+              <a:rPr lang="en-GB" sz="6400" dirty="0" err="1">
+                <a:solidFill>
+                  <a:schemeClr val="bg1"/>
+                </a:solidFill>
+                <a:latin typeface="Times New Roman" panose="02020603050405020304" pitchFamily="18" charset="0"/>
+                <a:cs typeface="Times New Roman" panose="02020603050405020304" pitchFamily="18" charset="0"/>
+              </a:rPr>
+              <a:t>a</a:t>
+            </a:r>
+            <a:r>
+              <a:rPr lang="en-GB" sz="6400" b="0" i="0" dirty="0" err="1">
+                <a:solidFill>
+                  <a:schemeClr val="bg1"/>
+                </a:solidFill>
+                <a:effectLst/>
+                <a:latin typeface="Times New Roman" panose="02020603050405020304" pitchFamily="18" charset="0"/>
+                <a:cs typeface="Times New Roman" panose="02020603050405020304" pitchFamily="18" charset="0"/>
+              </a:rPr>
+              <a:t>ctualizarea</a:t>
+            </a:r>
+            <a:r>
+              <a:rPr lang="en-GB" sz="6400" b="0" i="0" dirty="0">
+                <a:solidFill>
+                  <a:schemeClr val="bg1"/>
+                </a:solidFill>
+                <a:effectLst/>
+                <a:latin typeface="Times New Roman" panose="02020603050405020304" pitchFamily="18" charset="0"/>
+                <a:cs typeface="Times New Roman" panose="02020603050405020304" pitchFamily="18" charset="0"/>
+              </a:rPr>
+              <a:t> </a:t>
+            </a:r>
+            <a:r>
+              <a:rPr lang="en-GB" sz="6400" b="0" i="0" dirty="0" err="1">
+                <a:solidFill>
+                  <a:schemeClr val="bg1"/>
+                </a:solidFill>
+                <a:effectLst/>
+                <a:latin typeface="Times New Roman" panose="02020603050405020304" pitchFamily="18" charset="0"/>
+                <a:cs typeface="Times New Roman" panose="02020603050405020304" pitchFamily="18" charset="0"/>
+              </a:rPr>
+              <a:t>planurilor</a:t>
+            </a:r>
+            <a:r>
+              <a:rPr lang="en-GB" sz="6400" b="0" i="0" dirty="0">
+                <a:solidFill>
+                  <a:schemeClr val="bg1"/>
+                </a:solidFill>
+                <a:effectLst/>
+                <a:latin typeface="Times New Roman" panose="02020603050405020304" pitchFamily="18" charset="0"/>
+                <a:cs typeface="Times New Roman" panose="02020603050405020304" pitchFamily="18" charset="0"/>
+              </a:rPr>
+              <a:t> de </a:t>
+            </a:r>
+            <a:r>
+              <a:rPr lang="en-GB" sz="6400" b="0" i="0" dirty="0" err="1">
+                <a:solidFill>
+                  <a:schemeClr val="bg1"/>
+                </a:solidFill>
+                <a:effectLst/>
+                <a:latin typeface="Times New Roman" panose="02020603050405020304" pitchFamily="18" charset="0"/>
+                <a:cs typeface="Times New Roman" panose="02020603050405020304" pitchFamily="18" charset="0"/>
+              </a:rPr>
+              <a:t>testare</a:t>
+            </a:r>
+            <a:r>
+              <a:rPr lang="en-GB" sz="6400" b="0" i="0" dirty="0">
+                <a:solidFill>
+                  <a:schemeClr val="bg1"/>
+                </a:solidFill>
+                <a:effectLst/>
+                <a:latin typeface="Times New Roman" panose="02020603050405020304" pitchFamily="18" charset="0"/>
+                <a:cs typeface="Times New Roman" panose="02020603050405020304" pitchFamily="18" charset="0"/>
+              </a:rPr>
+              <a:t> </a:t>
+            </a:r>
+            <a:r>
+              <a:rPr lang="en-GB" sz="6400" b="0" i="0" dirty="0" err="1">
+                <a:solidFill>
+                  <a:schemeClr val="bg1"/>
+                </a:solidFill>
+                <a:effectLst/>
+                <a:latin typeface="Times New Roman" panose="02020603050405020304" pitchFamily="18" charset="0"/>
+                <a:cs typeface="Times New Roman" panose="02020603050405020304" pitchFamily="18" charset="0"/>
+              </a:rPr>
+              <a:t>în</a:t>
+            </a:r>
+            <a:r>
+              <a:rPr lang="en-GB" sz="6400" b="0" i="0" dirty="0">
+                <a:solidFill>
+                  <a:schemeClr val="bg1"/>
+                </a:solidFill>
+                <a:effectLst/>
+                <a:latin typeface="Times New Roman" panose="02020603050405020304" pitchFamily="18" charset="0"/>
+                <a:cs typeface="Times New Roman" panose="02020603050405020304" pitchFamily="18" charset="0"/>
+              </a:rPr>
+              <a:t> </a:t>
+            </a:r>
+            <a:r>
+              <a:rPr lang="en-GB" sz="6400" b="0" i="0" dirty="0" err="1">
+                <a:solidFill>
+                  <a:schemeClr val="bg1"/>
+                </a:solidFill>
+                <a:effectLst/>
+                <a:latin typeface="Times New Roman" panose="02020603050405020304" pitchFamily="18" charset="0"/>
+                <a:cs typeface="Times New Roman" panose="02020603050405020304" pitchFamily="18" charset="0"/>
+              </a:rPr>
+              <a:t>funcție</a:t>
+            </a:r>
+            <a:r>
+              <a:rPr lang="en-GB" sz="6400" b="0" i="0" dirty="0">
+                <a:solidFill>
+                  <a:schemeClr val="bg1"/>
+                </a:solidFill>
+                <a:effectLst/>
+                <a:latin typeface="Times New Roman" panose="02020603050405020304" pitchFamily="18" charset="0"/>
+                <a:cs typeface="Times New Roman" panose="02020603050405020304" pitchFamily="18" charset="0"/>
+              </a:rPr>
+              <a:t> de </a:t>
+            </a:r>
+            <a:r>
+              <a:rPr lang="en-GB" sz="6400" b="0" i="0" dirty="0" err="1">
+                <a:solidFill>
+                  <a:schemeClr val="bg1"/>
+                </a:solidFill>
+                <a:effectLst/>
+                <a:latin typeface="Times New Roman" panose="02020603050405020304" pitchFamily="18" charset="0"/>
+                <a:cs typeface="Times New Roman" panose="02020603050405020304" pitchFamily="18" charset="0"/>
+              </a:rPr>
+              <a:t>descoperirile</a:t>
+            </a:r>
+            <a:r>
+              <a:rPr lang="en-GB" sz="6400" b="0" i="0" dirty="0">
+                <a:solidFill>
+                  <a:schemeClr val="bg1"/>
+                </a:solidFill>
+                <a:effectLst/>
+                <a:latin typeface="Times New Roman" panose="02020603050405020304" pitchFamily="18" charset="0"/>
+                <a:cs typeface="Times New Roman" panose="02020603050405020304" pitchFamily="18" charset="0"/>
+              </a:rPr>
+              <a:t> din </a:t>
+            </a:r>
+            <a:r>
+              <a:rPr lang="en-GB" sz="6400" b="0" i="0" dirty="0" err="1">
+                <a:solidFill>
+                  <a:schemeClr val="bg1"/>
+                </a:solidFill>
+                <a:effectLst/>
+                <a:latin typeface="Times New Roman" panose="02020603050405020304" pitchFamily="18" charset="0"/>
+                <a:cs typeface="Times New Roman" panose="02020603050405020304" pitchFamily="18" charset="0"/>
+              </a:rPr>
+              <a:t>timpul</a:t>
+            </a:r>
+            <a:r>
+              <a:rPr lang="en-GB" sz="6400" b="0" i="0" dirty="0">
+                <a:solidFill>
+                  <a:schemeClr val="bg1"/>
+                </a:solidFill>
+                <a:effectLst/>
+                <a:latin typeface="Times New Roman" panose="02020603050405020304" pitchFamily="18" charset="0"/>
+                <a:cs typeface="Times New Roman" panose="02020603050405020304" pitchFamily="18" charset="0"/>
+              </a:rPr>
+              <a:t> </a:t>
+            </a:r>
+            <a:r>
+              <a:rPr lang="en-GB" sz="6400" b="0" i="0" dirty="0" err="1">
+                <a:solidFill>
+                  <a:schemeClr val="bg1"/>
+                </a:solidFill>
+                <a:effectLst/>
+                <a:latin typeface="Times New Roman" panose="02020603050405020304" pitchFamily="18" charset="0"/>
+                <a:cs typeface="Times New Roman" panose="02020603050405020304" pitchFamily="18" charset="0"/>
+              </a:rPr>
+              <a:t>testelor</a:t>
+            </a:r>
+            <a:r>
+              <a:rPr lang="en-GB" sz="6400" dirty="0">
+                <a:solidFill>
+                  <a:schemeClr val="bg1"/>
+                </a:solidFill>
+                <a:latin typeface="Times New Roman" panose="02020603050405020304" pitchFamily="18" charset="0"/>
+                <a:cs typeface="Times New Roman" panose="02020603050405020304" pitchFamily="18" charset="0"/>
+              </a:rPr>
+              <a:t>, </a:t>
+            </a:r>
+            <a:r>
+              <a:rPr lang="en-GB" sz="6400" dirty="0" err="1">
+                <a:solidFill>
+                  <a:schemeClr val="bg1"/>
+                </a:solidFill>
+                <a:latin typeface="Times New Roman" panose="02020603050405020304" pitchFamily="18" charset="0"/>
+                <a:cs typeface="Times New Roman" panose="02020603050405020304" pitchFamily="18" charset="0"/>
+              </a:rPr>
+              <a:t>g</a:t>
+            </a:r>
+            <a:r>
+              <a:rPr lang="en-GB" sz="6400" b="0" i="0" dirty="0" err="1">
+                <a:solidFill>
+                  <a:schemeClr val="bg1"/>
+                </a:solidFill>
+                <a:effectLst/>
+                <a:latin typeface="Times New Roman" panose="02020603050405020304" pitchFamily="18" charset="0"/>
+                <a:cs typeface="Times New Roman" panose="02020603050405020304" pitchFamily="18" charset="0"/>
+              </a:rPr>
+              <a:t>estionarea</a:t>
+            </a:r>
+            <a:r>
+              <a:rPr lang="en-GB" sz="6400" b="0" i="0" dirty="0">
+                <a:solidFill>
+                  <a:schemeClr val="bg1"/>
+                </a:solidFill>
+                <a:effectLst/>
+                <a:latin typeface="Times New Roman" panose="02020603050405020304" pitchFamily="18" charset="0"/>
+                <a:cs typeface="Times New Roman" panose="02020603050405020304" pitchFamily="18" charset="0"/>
+              </a:rPr>
+              <a:t> </a:t>
+            </a:r>
+            <a:r>
+              <a:rPr lang="en-GB" sz="6400" b="0" i="0" dirty="0" err="1">
+                <a:solidFill>
+                  <a:schemeClr val="bg1"/>
+                </a:solidFill>
+                <a:effectLst/>
+                <a:latin typeface="Times New Roman" panose="02020603050405020304" pitchFamily="18" charset="0"/>
+                <a:cs typeface="Times New Roman" panose="02020603050405020304" pitchFamily="18" charset="0"/>
+              </a:rPr>
+              <a:t>defecțiunilor</a:t>
+            </a:r>
+            <a:r>
+              <a:rPr lang="en-GB" sz="6400" b="0" i="0" dirty="0">
+                <a:solidFill>
+                  <a:schemeClr val="bg1"/>
+                </a:solidFill>
+                <a:effectLst/>
+                <a:latin typeface="Times New Roman" panose="02020603050405020304" pitchFamily="18" charset="0"/>
+                <a:cs typeface="Times New Roman" panose="02020603050405020304" pitchFamily="18" charset="0"/>
+              </a:rPr>
+              <a:t> </a:t>
+            </a:r>
+            <a:r>
+              <a:rPr lang="en-GB" sz="6400" b="0" i="0" dirty="0" err="1">
+                <a:solidFill>
+                  <a:schemeClr val="bg1"/>
+                </a:solidFill>
+                <a:effectLst/>
+                <a:latin typeface="Times New Roman" panose="02020603050405020304" pitchFamily="18" charset="0"/>
+                <a:cs typeface="Times New Roman" panose="02020603050405020304" pitchFamily="18" charset="0"/>
+              </a:rPr>
               <a:t>și</a:t>
             </a:r>
             <a:r>
-              <a:rPr lang="en-GB" sz="6400" b="1" i="0" dirty="0">
+              <a:rPr lang="en-GB" sz="6400" b="0" i="0" dirty="0">
                 <a:solidFill>
                   <a:schemeClr val="bg1"/>
                 </a:solidFill>
@@ -17933,48 +18758,28 @@
               <a:t> </a:t>
             </a:r>
             <a:r>
-              <a:rPr lang="en-GB" sz="6400" b="1" i="0" dirty="0" err="1">
-                <a:solidFill>
-                  <a:schemeClr val="bg1"/>
-                </a:solidFill>
-                <a:effectLst/>
-                <a:latin typeface="Times New Roman" panose="02020603050405020304" pitchFamily="18" charset="0"/>
-                <a:cs typeface="Times New Roman" panose="02020603050405020304" pitchFamily="18" charset="0"/>
-              </a:rPr>
-              <a:t>raportare</a:t>
-            </a:r>
-            <a:r>
-              <a:rPr lang="en-GB" sz="6400" b="1" i="0" dirty="0">
-                <a:solidFill>
-                  <a:schemeClr val="bg1"/>
-                </a:solidFill>
-                <a:effectLst/>
-                <a:latin typeface="Times New Roman" panose="02020603050405020304" pitchFamily="18" charset="0"/>
-                <a:cs typeface="Times New Roman" panose="02020603050405020304" pitchFamily="18" charset="0"/>
-              </a:rPr>
-              <a:t> (Test Analysis and Reporting):</a:t>
-            </a:r>
-            <a:r>
-              <a:rPr lang="en-GB" sz="6400" dirty="0">
-                <a:solidFill>
-                  <a:schemeClr val="bg1"/>
-                </a:solidFill>
+              <a:rPr lang="en-GB" sz="6400" b="0" i="0" dirty="0" err="1">
+                <a:solidFill>
+                  <a:schemeClr val="bg1"/>
+                </a:solidFill>
+                <a:effectLst/>
+                <a:latin typeface="Times New Roman" panose="02020603050405020304" pitchFamily="18" charset="0"/>
+                <a:cs typeface="Times New Roman" panose="02020603050405020304" pitchFamily="18" charset="0"/>
+              </a:rPr>
+              <a:t>asigurarea</a:t>
+            </a:r>
+            <a:r>
+              <a:rPr lang="en-GB" sz="6400" b="0" i="0" dirty="0">
+                <a:solidFill>
+                  <a:schemeClr val="bg1"/>
+                </a:solidFill>
+                <a:effectLst/>
                 <a:latin typeface="Times New Roman" panose="02020603050405020304" pitchFamily="18" charset="0"/>
                 <a:cs typeface="Times New Roman" panose="02020603050405020304" pitchFamily="18" charset="0"/>
               </a:rPr>
               <a:t> </a:t>
             </a:r>
             <a:r>
-              <a:rPr lang="en-GB" sz="6400" dirty="0" err="1">
-                <a:solidFill>
-                  <a:schemeClr val="bg1"/>
-                </a:solidFill>
-                <a:latin typeface="Times New Roman" panose="02020603050405020304" pitchFamily="18" charset="0"/>
-                <a:cs typeface="Times New Roman" panose="02020603050405020304" pitchFamily="18" charset="0"/>
-              </a:rPr>
-              <a:t>a</a:t>
-            </a:r>
-            <a:r>
               <a:rPr lang="en-GB" sz="6400" b="0" i="0" dirty="0" err="1">
                 <a:solidFill>
                   <a:schemeClr val="bg1"/>
@@ -17983,7 +18788,7 @@
                 <a:latin typeface="Times New Roman" panose="02020603050405020304" pitchFamily="18" charset="0"/>
                 <a:cs typeface="Times New Roman" panose="02020603050405020304" pitchFamily="18" charset="0"/>
               </a:rPr>
-              <a:t>nalizarea</a:t>
+              <a:t>rezolvării</a:t>
             </a:r>
             <a:r>
               <a:rPr lang="en-GB" sz="6400" b="0" i="0" dirty="0">
@@ -18005,443 +18810,7 @@
                 <a:latin typeface="Times New Roman" panose="02020603050405020304" pitchFamily="18" charset="0"/>
                 <a:cs typeface="Times New Roman" panose="02020603050405020304" pitchFamily="18" charset="0"/>
               </a:rPr>
-              <a:t>rezultatelor</a:t>
-            </a:r>
-            <a:r>
-              <a:rPr lang="en-GB" sz="6400" b="0" i="0" dirty="0">
-                <a:solidFill>
-                  <a:schemeClr val="bg1"/>
-                </a:solidFill>
-                <a:effectLst/>
-                <a:latin typeface="Times New Roman" panose="02020603050405020304" pitchFamily="18" charset="0"/>
-                <a:cs typeface="Times New Roman" panose="02020603050405020304" pitchFamily="18" charset="0"/>
-              </a:rPr>
-              <a:t> </a:t>
-            </a:r>
-            <a:r>
-              <a:rPr lang="en-GB" sz="6400" b="0" i="0" dirty="0" err="1">
-                <a:solidFill>
-                  <a:schemeClr val="bg1"/>
-                </a:solidFill>
-                <a:effectLst/>
-                <a:latin typeface="Times New Roman" panose="02020603050405020304" pitchFamily="18" charset="0"/>
-                <a:cs typeface="Times New Roman" panose="02020603050405020304" pitchFamily="18" charset="0"/>
-              </a:rPr>
-              <a:t>testelor</a:t>
-            </a:r>
-            <a:r>
-              <a:rPr lang="en-GB" sz="6400" b="0" i="0" dirty="0">
-                <a:solidFill>
-                  <a:schemeClr val="bg1"/>
-                </a:solidFill>
-                <a:effectLst/>
-                <a:latin typeface="Times New Roman" panose="02020603050405020304" pitchFamily="18" charset="0"/>
-                <a:cs typeface="Times New Roman" panose="02020603050405020304" pitchFamily="18" charset="0"/>
-              </a:rPr>
-              <a:t> </a:t>
-            </a:r>
-            <a:r>
-              <a:rPr lang="en-GB" sz="6400" b="0" i="0" dirty="0" err="1">
-                <a:solidFill>
-                  <a:schemeClr val="bg1"/>
-                </a:solidFill>
-                <a:effectLst/>
-                <a:latin typeface="Times New Roman" panose="02020603050405020304" pitchFamily="18" charset="0"/>
-                <a:cs typeface="Times New Roman" panose="02020603050405020304" pitchFamily="18" charset="0"/>
-              </a:rPr>
-              <a:t>pentru</a:t>
-            </a:r>
-            <a:r>
-              <a:rPr lang="en-GB" sz="6400" b="0" i="0" dirty="0">
-                <a:solidFill>
-                  <a:schemeClr val="bg1"/>
-                </a:solidFill>
-                <a:effectLst/>
-                <a:latin typeface="Times New Roman" panose="02020603050405020304" pitchFamily="18" charset="0"/>
-                <a:cs typeface="Times New Roman" panose="02020603050405020304" pitchFamily="18" charset="0"/>
-              </a:rPr>
-              <a:t> a </a:t>
-            </a:r>
-            <a:r>
-              <a:rPr lang="en-GB" sz="6400" b="0" i="0" dirty="0" err="1">
-                <a:solidFill>
-                  <a:schemeClr val="bg1"/>
-                </a:solidFill>
-                <a:effectLst/>
-                <a:latin typeface="Times New Roman" panose="02020603050405020304" pitchFamily="18" charset="0"/>
-                <a:cs typeface="Times New Roman" panose="02020603050405020304" pitchFamily="18" charset="0"/>
-              </a:rPr>
-              <a:t>evalua</a:t>
-            </a:r>
-            <a:r>
-              <a:rPr lang="en-GB" sz="6400" b="0" i="0" dirty="0">
-                <a:solidFill>
-                  <a:schemeClr val="bg1"/>
-                </a:solidFill>
-                <a:effectLst/>
-                <a:latin typeface="Times New Roman" panose="02020603050405020304" pitchFamily="18" charset="0"/>
-                <a:cs typeface="Times New Roman" panose="02020603050405020304" pitchFamily="18" charset="0"/>
-              </a:rPr>
-              <a:t> </a:t>
-            </a:r>
-            <a:r>
-              <a:rPr lang="en-GB" sz="6400" b="0" i="0" dirty="0" err="1">
-                <a:solidFill>
-                  <a:schemeClr val="bg1"/>
-                </a:solidFill>
-                <a:effectLst/>
-                <a:latin typeface="Times New Roman" panose="02020603050405020304" pitchFamily="18" charset="0"/>
-                <a:cs typeface="Times New Roman" panose="02020603050405020304" pitchFamily="18" charset="0"/>
-              </a:rPr>
-              <a:t>performanța</a:t>
-            </a:r>
-            <a:r>
-              <a:rPr lang="en-GB" sz="6400" b="0" i="0" dirty="0">
-                <a:solidFill>
-                  <a:schemeClr val="bg1"/>
-                </a:solidFill>
-                <a:effectLst/>
-                <a:latin typeface="Times New Roman" panose="02020603050405020304" pitchFamily="18" charset="0"/>
-                <a:cs typeface="Times New Roman" panose="02020603050405020304" pitchFamily="18" charset="0"/>
-              </a:rPr>
-              <a:t> </a:t>
-            </a:r>
-            <a:r>
-              <a:rPr lang="en-GB" sz="6400" b="0" i="0" dirty="0" err="1">
-                <a:solidFill>
-                  <a:schemeClr val="bg1"/>
-                </a:solidFill>
-                <a:effectLst/>
-                <a:latin typeface="Times New Roman" panose="02020603050405020304" pitchFamily="18" charset="0"/>
-                <a:cs typeface="Times New Roman" panose="02020603050405020304" pitchFamily="18" charset="0"/>
-              </a:rPr>
-              <a:t>și</a:t>
-            </a:r>
-            <a:r>
-              <a:rPr lang="en-GB" sz="6400" b="0" i="0" dirty="0">
-                <a:solidFill>
-                  <a:schemeClr val="bg1"/>
-                </a:solidFill>
-                <a:effectLst/>
-                <a:latin typeface="Times New Roman" panose="02020603050405020304" pitchFamily="18" charset="0"/>
-                <a:cs typeface="Times New Roman" panose="02020603050405020304" pitchFamily="18" charset="0"/>
-              </a:rPr>
-              <a:t> </a:t>
-            </a:r>
-            <a:r>
-              <a:rPr lang="en-GB" sz="6400" b="0" i="0" dirty="0" err="1">
-                <a:solidFill>
-                  <a:schemeClr val="bg1"/>
-                </a:solidFill>
-                <a:effectLst/>
-                <a:latin typeface="Times New Roman" panose="02020603050405020304" pitchFamily="18" charset="0"/>
-                <a:cs typeface="Times New Roman" panose="02020603050405020304" pitchFamily="18" charset="0"/>
-              </a:rPr>
-              <a:t>calitatea</a:t>
-            </a:r>
-            <a:r>
-              <a:rPr lang="en-GB" sz="6400" b="0" i="0" dirty="0">
-                <a:solidFill>
-                  <a:schemeClr val="bg1"/>
-                </a:solidFill>
-                <a:effectLst/>
-                <a:latin typeface="Times New Roman" panose="02020603050405020304" pitchFamily="18" charset="0"/>
-                <a:cs typeface="Times New Roman" panose="02020603050405020304" pitchFamily="18" charset="0"/>
-              </a:rPr>
-              <a:t> software-</a:t>
-            </a:r>
-            <a:r>
-              <a:rPr lang="en-GB" sz="6400" b="0" i="0" dirty="0" err="1">
-                <a:solidFill>
-                  <a:schemeClr val="bg1"/>
-                </a:solidFill>
-                <a:effectLst/>
-                <a:latin typeface="Times New Roman" panose="02020603050405020304" pitchFamily="18" charset="0"/>
-                <a:cs typeface="Times New Roman" panose="02020603050405020304" pitchFamily="18" charset="0"/>
-              </a:rPr>
-              <a:t>ului</a:t>
-            </a:r>
-            <a:r>
-              <a:rPr lang="en-GB" sz="6400" dirty="0">
-                <a:solidFill>
-                  <a:schemeClr val="bg1"/>
-                </a:solidFill>
-                <a:latin typeface="Times New Roman" panose="02020603050405020304" pitchFamily="18" charset="0"/>
-                <a:cs typeface="Times New Roman" panose="02020603050405020304" pitchFamily="18" charset="0"/>
-              </a:rPr>
-              <a:t>, </a:t>
-            </a:r>
-            <a:r>
-              <a:rPr lang="en-GB" sz="6400" dirty="0" err="1">
-                <a:solidFill>
-                  <a:schemeClr val="bg1"/>
-                </a:solidFill>
-                <a:latin typeface="Times New Roman" panose="02020603050405020304" pitchFamily="18" charset="0"/>
-                <a:cs typeface="Times New Roman" panose="02020603050405020304" pitchFamily="18" charset="0"/>
-              </a:rPr>
-              <a:t>r</a:t>
-            </a:r>
-            <a:r>
-              <a:rPr lang="en-GB" sz="6400" b="0" i="0" dirty="0" err="1">
-                <a:solidFill>
-                  <a:schemeClr val="bg1"/>
-                </a:solidFill>
-                <a:effectLst/>
-                <a:latin typeface="Times New Roman" panose="02020603050405020304" pitchFamily="18" charset="0"/>
-                <a:cs typeface="Times New Roman" panose="02020603050405020304" pitchFamily="18" charset="0"/>
-              </a:rPr>
-              <a:t>aportarea</a:t>
-            </a:r>
-            <a:r>
-              <a:rPr lang="en-GB" sz="6400" b="0" i="0" dirty="0">
-                <a:solidFill>
-                  <a:schemeClr val="bg1"/>
-                </a:solidFill>
-                <a:effectLst/>
-                <a:latin typeface="Times New Roman" panose="02020603050405020304" pitchFamily="18" charset="0"/>
-                <a:cs typeface="Times New Roman" panose="02020603050405020304" pitchFamily="18" charset="0"/>
-              </a:rPr>
-              <a:t> </a:t>
-            </a:r>
-            <a:r>
-              <a:rPr lang="en-GB" sz="6400" b="0" i="0" dirty="0" err="1">
-                <a:solidFill>
-                  <a:schemeClr val="bg1"/>
-                </a:solidFill>
-                <a:effectLst/>
-                <a:latin typeface="Times New Roman" panose="02020603050405020304" pitchFamily="18" charset="0"/>
-                <a:cs typeface="Times New Roman" panose="02020603050405020304" pitchFamily="18" charset="0"/>
-              </a:rPr>
-              <a:t>rezultatelor</a:t>
-            </a:r>
-            <a:r>
-              <a:rPr lang="en-GB" sz="6400" b="0" i="0" dirty="0">
-                <a:solidFill>
-                  <a:schemeClr val="bg1"/>
-                </a:solidFill>
-                <a:effectLst/>
-                <a:latin typeface="Times New Roman" panose="02020603050405020304" pitchFamily="18" charset="0"/>
-                <a:cs typeface="Times New Roman" panose="02020603050405020304" pitchFamily="18" charset="0"/>
-              </a:rPr>
-              <a:t> </a:t>
-            </a:r>
-            <a:r>
-              <a:rPr lang="en-GB" sz="6400" b="0" i="0" dirty="0" err="1">
-                <a:solidFill>
-                  <a:schemeClr val="bg1"/>
-                </a:solidFill>
-                <a:effectLst/>
-                <a:latin typeface="Times New Roman" panose="02020603050405020304" pitchFamily="18" charset="0"/>
-                <a:cs typeface="Times New Roman" panose="02020603050405020304" pitchFamily="18" charset="0"/>
-              </a:rPr>
-              <a:t>și</a:t>
-            </a:r>
-            <a:r>
-              <a:rPr lang="en-GB" sz="6400" b="0" i="0" dirty="0">
-                <a:solidFill>
-                  <a:schemeClr val="bg1"/>
-                </a:solidFill>
-                <a:effectLst/>
-                <a:latin typeface="Times New Roman" panose="02020603050405020304" pitchFamily="18" charset="0"/>
-                <a:cs typeface="Times New Roman" panose="02020603050405020304" pitchFamily="18" charset="0"/>
-              </a:rPr>
-              <a:t> </a:t>
-            </a:r>
-            <a:r>
-              <a:rPr lang="en-GB" sz="6400" b="0" i="0" dirty="0" err="1">
-                <a:solidFill>
-                  <a:schemeClr val="bg1"/>
-                </a:solidFill>
-                <a:effectLst/>
-                <a:latin typeface="Times New Roman" panose="02020603050405020304" pitchFamily="18" charset="0"/>
-                <a:cs typeface="Times New Roman" panose="02020603050405020304" pitchFamily="18" charset="0"/>
-              </a:rPr>
-              <a:t>evidențierea</a:t>
-            </a:r>
-            <a:r>
-              <a:rPr lang="en-GB" sz="6400" b="0" i="0" dirty="0">
-                <a:solidFill>
-                  <a:schemeClr val="bg1"/>
-                </a:solidFill>
-                <a:effectLst/>
-                <a:latin typeface="Times New Roman" panose="02020603050405020304" pitchFamily="18" charset="0"/>
-                <a:cs typeface="Times New Roman" panose="02020603050405020304" pitchFamily="18" charset="0"/>
-              </a:rPr>
-              <a:t> </a:t>
-            </a:r>
-            <a:r>
-              <a:rPr lang="en-GB" sz="6400" b="0" i="0" dirty="0" err="1">
-                <a:solidFill>
-                  <a:schemeClr val="bg1"/>
-                </a:solidFill>
-                <a:effectLst/>
-                <a:latin typeface="Times New Roman" panose="02020603050405020304" pitchFamily="18" charset="0"/>
-                <a:cs typeface="Times New Roman" panose="02020603050405020304" pitchFamily="18" charset="0"/>
-              </a:rPr>
-              <a:t>problemelor</a:t>
-            </a:r>
-            <a:r>
-              <a:rPr lang="en-GB" sz="6400" b="0" i="0" dirty="0">
-                <a:solidFill>
-                  <a:schemeClr val="bg1"/>
-                </a:solidFill>
-                <a:effectLst/>
-                <a:latin typeface="Times New Roman" panose="02020603050405020304" pitchFamily="18" charset="0"/>
-                <a:cs typeface="Times New Roman" panose="02020603050405020304" pitchFamily="18" charset="0"/>
-              </a:rPr>
-              <a:t> </a:t>
-            </a:r>
-            <a:r>
-              <a:rPr lang="en-GB" sz="6400" b="0" i="0" dirty="0" err="1">
-                <a:solidFill>
-                  <a:schemeClr val="bg1"/>
-                </a:solidFill>
-                <a:effectLst/>
-                <a:latin typeface="Times New Roman" panose="02020603050405020304" pitchFamily="18" charset="0"/>
-                <a:cs typeface="Times New Roman" panose="02020603050405020304" pitchFamily="18" charset="0"/>
-              </a:rPr>
-              <a:t>identificate</a:t>
-            </a:r>
-            <a:r>
-              <a:rPr lang="en-GB" sz="6400" dirty="0">
-                <a:solidFill>
-                  <a:schemeClr val="bg1"/>
-                </a:solidFill>
-                <a:latin typeface="Times New Roman" panose="02020603050405020304" pitchFamily="18" charset="0"/>
-                <a:cs typeface="Times New Roman" panose="02020603050405020304" pitchFamily="18" charset="0"/>
-              </a:rPr>
-              <a:t>, </a:t>
-            </a:r>
-            <a:r>
-              <a:rPr lang="en-GB" sz="6400" dirty="0" err="1">
-                <a:solidFill>
-                  <a:schemeClr val="bg1"/>
-                </a:solidFill>
-                <a:latin typeface="Times New Roman" panose="02020603050405020304" pitchFamily="18" charset="0"/>
-                <a:cs typeface="Times New Roman" panose="02020603050405020304" pitchFamily="18" charset="0"/>
-              </a:rPr>
-              <a:t>d</a:t>
-            </a:r>
-            <a:r>
-              <a:rPr lang="en-GB" sz="6400" b="0" i="0" dirty="0" err="1">
-                <a:solidFill>
-                  <a:schemeClr val="bg1"/>
-                </a:solidFill>
-                <a:effectLst/>
-                <a:latin typeface="Times New Roman" panose="02020603050405020304" pitchFamily="18" charset="0"/>
-                <a:cs typeface="Times New Roman" panose="02020603050405020304" pitchFamily="18" charset="0"/>
-              </a:rPr>
-              <a:t>ocumentarea</a:t>
-            </a:r>
-            <a:r>
-              <a:rPr lang="en-GB" sz="6400" b="0" i="0" dirty="0">
-                <a:solidFill>
-                  <a:schemeClr val="bg1"/>
-                </a:solidFill>
-                <a:effectLst/>
-                <a:latin typeface="Times New Roman" panose="02020603050405020304" pitchFamily="18" charset="0"/>
-                <a:cs typeface="Times New Roman" panose="02020603050405020304" pitchFamily="18" charset="0"/>
-              </a:rPr>
-              <a:t> </a:t>
-            </a:r>
-            <a:r>
-              <a:rPr lang="en-GB" sz="6400" b="0" i="0" dirty="0" err="1">
-                <a:solidFill>
-                  <a:schemeClr val="bg1"/>
-                </a:solidFill>
-                <a:effectLst/>
-                <a:latin typeface="Times New Roman" panose="02020603050405020304" pitchFamily="18" charset="0"/>
-                <a:cs typeface="Times New Roman" panose="02020603050405020304" pitchFamily="18" charset="0"/>
-              </a:rPr>
-              <a:t>și</a:t>
-            </a:r>
-            <a:r>
-              <a:rPr lang="en-GB" sz="6400" b="0" i="0" dirty="0">
-                <a:solidFill>
-                  <a:schemeClr val="bg1"/>
-                </a:solidFill>
-                <a:effectLst/>
-                <a:latin typeface="Times New Roman" panose="02020603050405020304" pitchFamily="18" charset="0"/>
-                <a:cs typeface="Times New Roman" panose="02020603050405020304" pitchFamily="18" charset="0"/>
-              </a:rPr>
-              <a:t> </a:t>
-            </a:r>
-            <a:r>
-              <a:rPr lang="en-GB" sz="6400" b="0" i="0" dirty="0" err="1">
-                <a:solidFill>
-                  <a:schemeClr val="bg1"/>
-                </a:solidFill>
-                <a:effectLst/>
-                <a:latin typeface="Times New Roman" panose="02020603050405020304" pitchFamily="18" charset="0"/>
-                <a:cs typeface="Times New Roman" panose="02020603050405020304" pitchFamily="18" charset="0"/>
-              </a:rPr>
-              <a:t>raportarea</a:t>
-            </a:r>
-            <a:r>
-              <a:rPr lang="en-GB" sz="6400" b="0" i="0" dirty="0">
-                <a:solidFill>
-                  <a:schemeClr val="bg1"/>
-                </a:solidFill>
-                <a:effectLst/>
-                <a:latin typeface="Times New Roman" panose="02020603050405020304" pitchFamily="18" charset="0"/>
-                <a:cs typeface="Times New Roman" panose="02020603050405020304" pitchFamily="18" charset="0"/>
-              </a:rPr>
-              <a:t> </a:t>
-            </a:r>
-            <a:r>
-              <a:rPr lang="en-GB" sz="6400" b="0" i="0" dirty="0" err="1">
-                <a:solidFill>
-                  <a:schemeClr val="bg1"/>
-                </a:solidFill>
-                <a:effectLst/>
-                <a:latin typeface="Times New Roman" panose="02020603050405020304" pitchFamily="18" charset="0"/>
-                <a:cs typeface="Times New Roman" panose="02020603050405020304" pitchFamily="18" charset="0"/>
-              </a:rPr>
-              <a:t>defecțiunilor</a:t>
-            </a:r>
-            <a:r>
-              <a:rPr lang="en-GB" sz="6400" b="0" i="0" dirty="0">
-                <a:solidFill>
-                  <a:schemeClr val="bg1"/>
-                </a:solidFill>
-                <a:effectLst/>
-                <a:latin typeface="Times New Roman" panose="02020603050405020304" pitchFamily="18" charset="0"/>
-                <a:cs typeface="Times New Roman" panose="02020603050405020304" pitchFamily="18" charset="0"/>
-              </a:rPr>
-              <a:t> </a:t>
-            </a:r>
-            <a:r>
-              <a:rPr lang="en-GB" sz="6400" b="0" i="0" dirty="0" err="1">
-                <a:solidFill>
-                  <a:schemeClr val="bg1"/>
-                </a:solidFill>
-                <a:effectLst/>
-                <a:latin typeface="Times New Roman" panose="02020603050405020304" pitchFamily="18" charset="0"/>
-                <a:cs typeface="Times New Roman" panose="02020603050405020304" pitchFamily="18" charset="0"/>
-              </a:rPr>
-              <a:t>într</a:t>
-            </a:r>
-            <a:r>
-              <a:rPr lang="en-GB" sz="6400" b="0" i="0" dirty="0">
-                <a:solidFill>
-                  <a:schemeClr val="bg1"/>
-                </a:solidFill>
-                <a:effectLst/>
-                <a:latin typeface="Times New Roman" panose="02020603050405020304" pitchFamily="18" charset="0"/>
-                <a:cs typeface="Times New Roman" panose="02020603050405020304" pitchFamily="18" charset="0"/>
-              </a:rPr>
-              <a:t>-un mod </a:t>
-            </a:r>
-            <a:r>
-              <a:rPr lang="en-GB" sz="6400" b="0" i="0" dirty="0" err="1">
-                <a:solidFill>
-                  <a:schemeClr val="bg1"/>
-                </a:solidFill>
-                <a:effectLst/>
-                <a:latin typeface="Times New Roman" panose="02020603050405020304" pitchFamily="18" charset="0"/>
-                <a:cs typeface="Times New Roman" panose="02020603050405020304" pitchFamily="18" charset="0"/>
-              </a:rPr>
-              <a:t>structurat</a:t>
+              <a:t>acestora</a:t>
             </a:r>
             <a:r>
               <a:rPr lang="en-GB" sz="6400" b="0" i="0" dirty="0">
@@ -18460,6 +18829,16 @@
               <a:buNone/>
             </a:pPr>
             <a:r>
+              <a:rPr lang="en-GB" sz="6400" b="1" dirty="0">
+                <a:solidFill>
+                  <a:schemeClr val="bg1"/>
+                </a:solidFill>
+                <a:latin typeface="Times New Roman" panose="02020603050405020304" pitchFamily="18" charset="0"/>
+                <a:cs typeface="Times New Roman" panose="02020603050405020304" pitchFamily="18" charset="0"/>
+              </a:rPr>
+              <a:t>7</a:t>
+            </a:r>
+            <a:r>
               <a:rPr lang="en-GB" sz="6400" b="1" i="0" dirty="0">
                 <a:solidFill>
                   <a:schemeClr val="bg1"/>
@@ -18468,7 +18847,7 @@
                 <a:latin typeface="Times New Roman" panose="02020603050405020304" pitchFamily="18" charset="0"/>
                 <a:cs typeface="Times New Roman" panose="02020603050405020304" pitchFamily="18" charset="0"/>
               </a:rPr>
-              <a:t>7. </a:t>
+              <a:t>. </a:t>
             </a:r>
             <a:r>
               <a:rPr lang="en-GB" sz="6400" b="1" i="0" dirty="0" err="1">
@@ -18479,7 +18858,7 @@
                 <a:latin typeface="Times New Roman" panose="02020603050405020304" pitchFamily="18" charset="0"/>
                 <a:cs typeface="Times New Roman" panose="02020603050405020304" pitchFamily="18" charset="0"/>
               </a:rPr>
-              <a:t>Urmărire</a:t>
+              <a:t>Încheierea</a:t>
             </a:r>
             <a:r>
               <a:rPr lang="en-GB" sz="6400" b="1" i="0" dirty="0">
@@ -18501,7 +18880,7 @@
                 <a:latin typeface="Times New Roman" panose="02020603050405020304" pitchFamily="18" charset="0"/>
                 <a:cs typeface="Times New Roman" panose="02020603050405020304" pitchFamily="18" charset="0"/>
               </a:rPr>
-              <a:t>și</a:t>
+              <a:t>testelor</a:t>
             </a:r>
             <a:r>
               <a:rPr lang="en-GB" sz="6400" b="1" i="0" dirty="0">
@@ -18512,589 +18891,7 @@
                 <a:latin typeface="Times New Roman" panose="02020603050405020304" pitchFamily="18" charset="0"/>
                 <a:cs typeface="Times New Roman" panose="02020603050405020304" pitchFamily="18" charset="0"/>
               </a:rPr>
-              <a:t> </a:t>
-            </a:r>
-            <a:r>
-              <a:rPr lang="en-GB" sz="6400" b="1" i="0" dirty="0" err="1">
-                <a:solidFill>
-                  <a:schemeClr val="bg1"/>
-                </a:solidFill>
-                <a:effectLst/>
-                <a:latin typeface="Times New Roman" panose="02020603050405020304" pitchFamily="18" charset="0"/>
-                <a:cs typeface="Times New Roman" panose="02020603050405020304" pitchFamily="18" charset="0"/>
-              </a:rPr>
-              <a:t>gestionare</a:t>
-            </a:r>
-            <a:r>
-              <a:rPr lang="en-GB" sz="6400" b="1" i="0" dirty="0">
-                <a:solidFill>
-                  <a:schemeClr val="bg1"/>
-                </a:solidFill>
-                <a:effectLst/>
-                <a:latin typeface="Times New Roman" panose="02020603050405020304" pitchFamily="18" charset="0"/>
-                <a:cs typeface="Times New Roman" panose="02020603050405020304" pitchFamily="18" charset="0"/>
-              </a:rPr>
-              <a:t> (Test Monitoring and Management):</a:t>
-            </a:r>
-            <a:r>
-              <a:rPr lang="en-GB" sz="6400" dirty="0">
-                <a:solidFill>
-                  <a:schemeClr val="bg1"/>
-                </a:solidFill>
-                <a:latin typeface="Times New Roman" panose="02020603050405020304" pitchFamily="18" charset="0"/>
-                <a:cs typeface="Times New Roman" panose="02020603050405020304" pitchFamily="18" charset="0"/>
-              </a:rPr>
-              <a:t> </a:t>
-            </a:r>
-            <a:r>
-              <a:rPr lang="en-GB" sz="6400" dirty="0" err="1">
-                <a:solidFill>
-                  <a:schemeClr val="bg1"/>
-                </a:solidFill>
-                <a:latin typeface="Times New Roman" panose="02020603050405020304" pitchFamily="18" charset="0"/>
-                <a:cs typeface="Times New Roman" panose="02020603050405020304" pitchFamily="18" charset="0"/>
-              </a:rPr>
-              <a:t>m</a:t>
-            </a:r>
-            <a:r>
-              <a:rPr lang="en-GB" sz="6400" b="0" i="0" dirty="0" err="1">
-                <a:solidFill>
-                  <a:schemeClr val="bg1"/>
-                </a:solidFill>
-                <a:effectLst/>
-                <a:latin typeface="Times New Roman" panose="02020603050405020304" pitchFamily="18" charset="0"/>
-                <a:cs typeface="Times New Roman" panose="02020603050405020304" pitchFamily="18" charset="0"/>
-              </a:rPr>
-              <a:t>onitorizarea</a:t>
-            </a:r>
-            <a:r>
-              <a:rPr lang="en-GB" sz="6400" b="0" i="0" dirty="0">
-                <a:solidFill>
-                  <a:schemeClr val="bg1"/>
-                </a:solidFill>
-                <a:effectLst/>
-                <a:latin typeface="Times New Roman" panose="02020603050405020304" pitchFamily="18" charset="0"/>
-                <a:cs typeface="Times New Roman" panose="02020603050405020304" pitchFamily="18" charset="0"/>
-              </a:rPr>
-              <a:t> </a:t>
-            </a:r>
-            <a:r>
-              <a:rPr lang="en-GB" sz="6400" b="0" i="0" dirty="0" err="1">
-                <a:solidFill>
-                  <a:schemeClr val="bg1"/>
-                </a:solidFill>
-                <a:effectLst/>
-                <a:latin typeface="Times New Roman" panose="02020603050405020304" pitchFamily="18" charset="0"/>
-                <a:cs typeface="Times New Roman" panose="02020603050405020304" pitchFamily="18" charset="0"/>
-              </a:rPr>
-              <a:t>progresului</a:t>
-            </a:r>
-            <a:r>
-              <a:rPr lang="en-GB" sz="6400" b="0" i="0" dirty="0">
-                <a:solidFill>
-                  <a:schemeClr val="bg1"/>
-                </a:solidFill>
-                <a:effectLst/>
-                <a:latin typeface="Times New Roman" panose="02020603050405020304" pitchFamily="18" charset="0"/>
-                <a:cs typeface="Times New Roman" panose="02020603050405020304" pitchFamily="18" charset="0"/>
-              </a:rPr>
-              <a:t> </a:t>
-            </a:r>
-            <a:r>
-              <a:rPr lang="en-GB" sz="6400" b="0" i="0" dirty="0" err="1">
-                <a:solidFill>
-                  <a:schemeClr val="bg1"/>
-                </a:solidFill>
-                <a:effectLst/>
-                <a:latin typeface="Times New Roman" panose="02020603050405020304" pitchFamily="18" charset="0"/>
-                <a:cs typeface="Times New Roman" panose="02020603050405020304" pitchFamily="18" charset="0"/>
-              </a:rPr>
-              <a:t>testelor</a:t>
-            </a:r>
-            <a:r>
-              <a:rPr lang="en-GB" sz="6400" b="0" i="0" dirty="0">
-                <a:solidFill>
-                  <a:schemeClr val="bg1"/>
-                </a:solidFill>
-                <a:effectLst/>
-                <a:latin typeface="Times New Roman" panose="02020603050405020304" pitchFamily="18" charset="0"/>
-                <a:cs typeface="Times New Roman" panose="02020603050405020304" pitchFamily="18" charset="0"/>
-              </a:rPr>
-              <a:t> </a:t>
-            </a:r>
-            <a:r>
-              <a:rPr lang="en-GB" sz="6400" b="0" i="0" dirty="0" err="1">
-                <a:solidFill>
-                  <a:schemeClr val="bg1"/>
-                </a:solidFill>
-                <a:effectLst/>
-                <a:latin typeface="Times New Roman" panose="02020603050405020304" pitchFamily="18" charset="0"/>
-                <a:cs typeface="Times New Roman" panose="02020603050405020304" pitchFamily="18" charset="0"/>
-              </a:rPr>
-              <a:t>în</a:t>
-            </a:r>
-            <a:r>
-              <a:rPr lang="en-GB" sz="6400" b="0" i="0" dirty="0">
-                <a:solidFill>
-                  <a:schemeClr val="bg1"/>
-                </a:solidFill>
-                <a:effectLst/>
-                <a:latin typeface="Times New Roman" panose="02020603050405020304" pitchFamily="18" charset="0"/>
-                <a:cs typeface="Times New Roman" panose="02020603050405020304" pitchFamily="18" charset="0"/>
-              </a:rPr>
-              <a:t> </a:t>
-            </a:r>
-            <a:r>
-              <a:rPr lang="en-GB" sz="6400" b="0" i="0" dirty="0" err="1">
-                <a:solidFill>
-                  <a:schemeClr val="bg1"/>
-                </a:solidFill>
-                <a:effectLst/>
-                <a:latin typeface="Times New Roman" panose="02020603050405020304" pitchFamily="18" charset="0"/>
-                <a:cs typeface="Times New Roman" panose="02020603050405020304" pitchFamily="18" charset="0"/>
-              </a:rPr>
-              <a:t>raport</a:t>
-            </a:r>
-            <a:r>
-              <a:rPr lang="en-GB" sz="6400" b="0" i="0" dirty="0">
-                <a:solidFill>
-                  <a:schemeClr val="bg1"/>
-                </a:solidFill>
-                <a:effectLst/>
-                <a:latin typeface="Times New Roman" panose="02020603050405020304" pitchFamily="18" charset="0"/>
-                <a:cs typeface="Times New Roman" panose="02020603050405020304" pitchFamily="18" charset="0"/>
-              </a:rPr>
-              <a:t> cu </a:t>
-            </a:r>
-            <a:r>
-              <a:rPr lang="en-GB" sz="6400" b="0" i="0" dirty="0" err="1">
-                <a:solidFill>
-                  <a:schemeClr val="bg1"/>
-                </a:solidFill>
-                <a:effectLst/>
-                <a:latin typeface="Times New Roman" panose="02020603050405020304" pitchFamily="18" charset="0"/>
-                <a:cs typeface="Times New Roman" panose="02020603050405020304" pitchFamily="18" charset="0"/>
-              </a:rPr>
-              <a:t>planurile</a:t>
-            </a:r>
-            <a:r>
-              <a:rPr lang="en-GB" sz="6400" b="0" i="0" dirty="0">
-                <a:solidFill>
-                  <a:schemeClr val="bg1"/>
-                </a:solidFill>
-                <a:effectLst/>
-                <a:latin typeface="Times New Roman" panose="02020603050405020304" pitchFamily="18" charset="0"/>
-                <a:cs typeface="Times New Roman" panose="02020603050405020304" pitchFamily="18" charset="0"/>
-              </a:rPr>
-              <a:t> de </a:t>
-            </a:r>
-            <a:r>
-              <a:rPr lang="en-GB" sz="6400" b="0" i="0" dirty="0" err="1">
-                <a:solidFill>
-                  <a:schemeClr val="bg1"/>
-                </a:solidFill>
-                <a:effectLst/>
-                <a:latin typeface="Times New Roman" panose="02020603050405020304" pitchFamily="18" charset="0"/>
-                <a:cs typeface="Times New Roman" panose="02020603050405020304" pitchFamily="18" charset="0"/>
-              </a:rPr>
-              <a:t>testare</a:t>
-            </a:r>
-            <a:r>
-              <a:rPr lang="en-GB" sz="6400" dirty="0">
-                <a:solidFill>
-                  <a:schemeClr val="bg1"/>
-                </a:solidFill>
-                <a:latin typeface="Times New Roman" panose="02020603050405020304" pitchFamily="18" charset="0"/>
-                <a:cs typeface="Times New Roman" panose="02020603050405020304" pitchFamily="18" charset="0"/>
-              </a:rPr>
-              <a:t>, </a:t>
-            </a:r>
-            <a:r>
-              <a:rPr lang="en-GB" sz="6400" dirty="0" err="1">
-                <a:solidFill>
-                  <a:schemeClr val="bg1"/>
-                </a:solidFill>
-                <a:latin typeface="Times New Roman" panose="02020603050405020304" pitchFamily="18" charset="0"/>
-                <a:cs typeface="Times New Roman" panose="02020603050405020304" pitchFamily="18" charset="0"/>
-              </a:rPr>
-              <a:t>a</a:t>
-            </a:r>
-            <a:r>
-              <a:rPr lang="en-GB" sz="6400" b="0" i="0" dirty="0" err="1">
-                <a:solidFill>
-                  <a:schemeClr val="bg1"/>
-                </a:solidFill>
-                <a:effectLst/>
-                <a:latin typeface="Times New Roman" panose="02020603050405020304" pitchFamily="18" charset="0"/>
-                <a:cs typeface="Times New Roman" panose="02020603050405020304" pitchFamily="18" charset="0"/>
-              </a:rPr>
-              <a:t>ctualizarea</a:t>
-            </a:r>
-            <a:r>
-              <a:rPr lang="en-GB" sz="6400" b="0" i="0" dirty="0">
-                <a:solidFill>
-                  <a:schemeClr val="bg1"/>
-                </a:solidFill>
-                <a:effectLst/>
-                <a:latin typeface="Times New Roman" panose="02020603050405020304" pitchFamily="18" charset="0"/>
-                <a:cs typeface="Times New Roman" panose="02020603050405020304" pitchFamily="18" charset="0"/>
-              </a:rPr>
-              <a:t> </a:t>
-            </a:r>
-            <a:r>
-              <a:rPr lang="en-GB" sz="6400" b="0" i="0" dirty="0" err="1">
-                <a:solidFill>
-                  <a:schemeClr val="bg1"/>
-                </a:solidFill>
-                <a:effectLst/>
-                <a:latin typeface="Times New Roman" panose="02020603050405020304" pitchFamily="18" charset="0"/>
-                <a:cs typeface="Times New Roman" panose="02020603050405020304" pitchFamily="18" charset="0"/>
-              </a:rPr>
-              <a:t>planurilor</a:t>
-            </a:r>
-            <a:r>
-              <a:rPr lang="en-GB" sz="6400" b="0" i="0" dirty="0">
-                <a:solidFill>
-                  <a:schemeClr val="bg1"/>
-                </a:solidFill>
-                <a:effectLst/>
-                <a:latin typeface="Times New Roman" panose="02020603050405020304" pitchFamily="18" charset="0"/>
-                <a:cs typeface="Times New Roman" panose="02020603050405020304" pitchFamily="18" charset="0"/>
-              </a:rPr>
-              <a:t> de </a:t>
-            </a:r>
-            <a:r>
-              <a:rPr lang="en-GB" sz="6400" b="0" i="0" dirty="0" err="1">
-                <a:solidFill>
-                  <a:schemeClr val="bg1"/>
-                </a:solidFill>
-                <a:effectLst/>
-                <a:latin typeface="Times New Roman" panose="02020603050405020304" pitchFamily="18" charset="0"/>
-                <a:cs typeface="Times New Roman" panose="02020603050405020304" pitchFamily="18" charset="0"/>
-              </a:rPr>
-              <a:t>testare</a:t>
-            </a:r>
-            <a:r>
-              <a:rPr lang="en-GB" sz="6400" b="0" i="0" dirty="0">
-                <a:solidFill>
-                  <a:schemeClr val="bg1"/>
-                </a:solidFill>
-                <a:effectLst/>
-                <a:latin typeface="Times New Roman" panose="02020603050405020304" pitchFamily="18" charset="0"/>
-                <a:cs typeface="Times New Roman" panose="02020603050405020304" pitchFamily="18" charset="0"/>
-              </a:rPr>
-              <a:t> </a:t>
-            </a:r>
-            <a:r>
-              <a:rPr lang="en-GB" sz="6400" b="0" i="0" dirty="0" err="1">
-                <a:solidFill>
-                  <a:schemeClr val="bg1"/>
-                </a:solidFill>
-                <a:effectLst/>
-                <a:latin typeface="Times New Roman" panose="02020603050405020304" pitchFamily="18" charset="0"/>
-                <a:cs typeface="Times New Roman" panose="02020603050405020304" pitchFamily="18" charset="0"/>
-              </a:rPr>
-              <a:t>în</a:t>
-            </a:r>
-            <a:r>
-              <a:rPr lang="en-GB" sz="6400" b="0" i="0" dirty="0">
-                <a:solidFill>
-                  <a:schemeClr val="bg1"/>
-                </a:solidFill>
-                <a:effectLst/>
-                <a:latin typeface="Times New Roman" panose="02020603050405020304" pitchFamily="18" charset="0"/>
-                <a:cs typeface="Times New Roman" panose="02020603050405020304" pitchFamily="18" charset="0"/>
-              </a:rPr>
-              <a:t> </a:t>
-            </a:r>
-            <a:r>
-              <a:rPr lang="en-GB" sz="6400" b="0" i="0" dirty="0" err="1">
-                <a:solidFill>
-                  <a:schemeClr val="bg1"/>
-                </a:solidFill>
-                <a:effectLst/>
-                <a:latin typeface="Times New Roman" panose="02020603050405020304" pitchFamily="18" charset="0"/>
-                <a:cs typeface="Times New Roman" panose="02020603050405020304" pitchFamily="18" charset="0"/>
-              </a:rPr>
-              <a:t>funcție</a:t>
-            </a:r>
-            <a:r>
-              <a:rPr lang="en-GB" sz="6400" b="0" i="0" dirty="0">
-                <a:solidFill>
-                  <a:schemeClr val="bg1"/>
-                </a:solidFill>
-                <a:effectLst/>
-                <a:latin typeface="Times New Roman" panose="02020603050405020304" pitchFamily="18" charset="0"/>
-                <a:cs typeface="Times New Roman" panose="02020603050405020304" pitchFamily="18" charset="0"/>
-              </a:rPr>
-              <a:t> de </a:t>
-            </a:r>
-            <a:r>
-              <a:rPr lang="en-GB" sz="6400" b="0" i="0" dirty="0" err="1">
-                <a:solidFill>
-                  <a:schemeClr val="bg1"/>
-                </a:solidFill>
-                <a:effectLst/>
-                <a:latin typeface="Times New Roman" panose="02020603050405020304" pitchFamily="18" charset="0"/>
-                <a:cs typeface="Times New Roman" panose="02020603050405020304" pitchFamily="18" charset="0"/>
-              </a:rPr>
-              <a:t>descoperirile</a:t>
-            </a:r>
-            <a:r>
-              <a:rPr lang="en-GB" sz="6400" b="0" i="0" dirty="0">
-                <a:solidFill>
-                  <a:schemeClr val="bg1"/>
-                </a:solidFill>
-                <a:effectLst/>
-                <a:latin typeface="Times New Roman" panose="02020603050405020304" pitchFamily="18" charset="0"/>
-                <a:cs typeface="Times New Roman" panose="02020603050405020304" pitchFamily="18" charset="0"/>
-              </a:rPr>
-              <a:t> din </a:t>
-            </a:r>
-            <a:r>
-              <a:rPr lang="en-GB" sz="6400" b="0" i="0" dirty="0" err="1">
-                <a:solidFill>
-                  <a:schemeClr val="bg1"/>
-                </a:solidFill>
-                <a:effectLst/>
-                <a:latin typeface="Times New Roman" panose="02020603050405020304" pitchFamily="18" charset="0"/>
-                <a:cs typeface="Times New Roman" panose="02020603050405020304" pitchFamily="18" charset="0"/>
-              </a:rPr>
-              <a:t>timpul</a:t>
-            </a:r>
-            <a:r>
-              <a:rPr lang="en-GB" sz="6400" b="0" i="0" dirty="0">
-                <a:solidFill>
-                  <a:schemeClr val="bg1"/>
-                </a:solidFill>
-                <a:effectLst/>
-                <a:latin typeface="Times New Roman" panose="02020603050405020304" pitchFamily="18" charset="0"/>
-                <a:cs typeface="Times New Roman" panose="02020603050405020304" pitchFamily="18" charset="0"/>
-              </a:rPr>
-              <a:t> </a:t>
-            </a:r>
-            <a:r>
-              <a:rPr lang="en-GB" sz="6400" b="0" i="0" dirty="0" err="1">
-                <a:solidFill>
-                  <a:schemeClr val="bg1"/>
-                </a:solidFill>
-                <a:effectLst/>
-                <a:latin typeface="Times New Roman" panose="02020603050405020304" pitchFamily="18" charset="0"/>
-                <a:cs typeface="Times New Roman" panose="02020603050405020304" pitchFamily="18" charset="0"/>
-              </a:rPr>
-              <a:t>testelor</a:t>
-            </a:r>
-            <a:r>
-              <a:rPr lang="en-GB" sz="6400" dirty="0">
-                <a:solidFill>
-                  <a:schemeClr val="bg1"/>
-                </a:solidFill>
-                <a:latin typeface="Times New Roman" panose="02020603050405020304" pitchFamily="18" charset="0"/>
-                <a:cs typeface="Times New Roman" panose="02020603050405020304" pitchFamily="18" charset="0"/>
-              </a:rPr>
-              <a:t>, </a:t>
-            </a:r>
-            <a:r>
-              <a:rPr lang="en-GB" sz="6400" dirty="0" err="1">
-                <a:solidFill>
-                  <a:schemeClr val="bg1"/>
-                </a:solidFill>
-                <a:latin typeface="Times New Roman" panose="02020603050405020304" pitchFamily="18" charset="0"/>
-                <a:cs typeface="Times New Roman" panose="02020603050405020304" pitchFamily="18" charset="0"/>
-              </a:rPr>
-              <a:t>g</a:t>
-            </a:r>
-            <a:r>
-              <a:rPr lang="en-GB" sz="6400" b="0" i="0" dirty="0" err="1">
-                <a:solidFill>
-                  <a:schemeClr val="bg1"/>
-                </a:solidFill>
-                <a:effectLst/>
-                <a:latin typeface="Times New Roman" panose="02020603050405020304" pitchFamily="18" charset="0"/>
-                <a:cs typeface="Times New Roman" panose="02020603050405020304" pitchFamily="18" charset="0"/>
-              </a:rPr>
-              <a:t>estionarea</a:t>
-            </a:r>
-            <a:r>
-              <a:rPr lang="en-GB" sz="6400" b="0" i="0" dirty="0">
-                <a:solidFill>
-                  <a:schemeClr val="bg1"/>
-                </a:solidFill>
-                <a:effectLst/>
-                <a:latin typeface="Times New Roman" panose="02020603050405020304" pitchFamily="18" charset="0"/>
-                <a:cs typeface="Times New Roman" panose="02020603050405020304" pitchFamily="18" charset="0"/>
-              </a:rPr>
-              <a:t> </a:t>
-            </a:r>
-            <a:r>
-              <a:rPr lang="en-GB" sz="6400" b="0" i="0" dirty="0" err="1">
-                <a:solidFill>
-                  <a:schemeClr val="bg1"/>
-                </a:solidFill>
-                <a:effectLst/>
-                <a:latin typeface="Times New Roman" panose="02020603050405020304" pitchFamily="18" charset="0"/>
-                <a:cs typeface="Times New Roman" panose="02020603050405020304" pitchFamily="18" charset="0"/>
-              </a:rPr>
-              <a:t>defecțiunilor</a:t>
-            </a:r>
-            <a:r>
-              <a:rPr lang="en-GB" sz="6400" b="0" i="0" dirty="0">
-                <a:solidFill>
-                  <a:schemeClr val="bg1"/>
-                </a:solidFill>
-                <a:effectLst/>
-                <a:latin typeface="Times New Roman" panose="02020603050405020304" pitchFamily="18" charset="0"/>
-                <a:cs typeface="Times New Roman" panose="02020603050405020304" pitchFamily="18" charset="0"/>
-              </a:rPr>
-              <a:t> </a:t>
-            </a:r>
-            <a:r>
-              <a:rPr lang="en-GB" sz="6400" b="0" i="0" dirty="0" err="1">
-                <a:solidFill>
-                  <a:schemeClr val="bg1"/>
-                </a:solidFill>
-                <a:effectLst/>
-                <a:latin typeface="Times New Roman" panose="02020603050405020304" pitchFamily="18" charset="0"/>
-                <a:cs typeface="Times New Roman" panose="02020603050405020304" pitchFamily="18" charset="0"/>
-              </a:rPr>
-              <a:t>și</a:t>
-            </a:r>
-            <a:r>
-              <a:rPr lang="en-GB" sz="6400" b="0" i="0" dirty="0">
-                <a:solidFill>
-                  <a:schemeClr val="bg1"/>
-                </a:solidFill>
-                <a:effectLst/>
-                <a:latin typeface="Times New Roman" panose="02020603050405020304" pitchFamily="18" charset="0"/>
-                <a:cs typeface="Times New Roman" panose="02020603050405020304" pitchFamily="18" charset="0"/>
-              </a:rPr>
-              <a:t> </a:t>
-            </a:r>
-            <a:r>
-              <a:rPr lang="en-GB" sz="6400" b="0" i="0" dirty="0" err="1">
-                <a:solidFill>
-                  <a:schemeClr val="bg1"/>
-                </a:solidFill>
-                <a:effectLst/>
-                <a:latin typeface="Times New Roman" panose="02020603050405020304" pitchFamily="18" charset="0"/>
-                <a:cs typeface="Times New Roman" panose="02020603050405020304" pitchFamily="18" charset="0"/>
-              </a:rPr>
-              <a:t>asigurarea</a:t>
-            </a:r>
-            <a:r>
-              <a:rPr lang="en-GB" sz="6400" b="0" i="0" dirty="0">
-                <a:solidFill>
-                  <a:schemeClr val="bg1"/>
-                </a:solidFill>
-                <a:effectLst/>
-                <a:latin typeface="Times New Roman" panose="02020603050405020304" pitchFamily="18" charset="0"/>
-                <a:cs typeface="Times New Roman" panose="02020603050405020304" pitchFamily="18" charset="0"/>
-              </a:rPr>
-              <a:t> </a:t>
-            </a:r>
-            <a:r>
-              <a:rPr lang="en-GB" sz="6400" b="0" i="0" dirty="0" err="1">
-                <a:solidFill>
-                  <a:schemeClr val="bg1"/>
-                </a:solidFill>
-                <a:effectLst/>
-                <a:latin typeface="Times New Roman" panose="02020603050405020304" pitchFamily="18" charset="0"/>
-                <a:cs typeface="Times New Roman" panose="02020603050405020304" pitchFamily="18" charset="0"/>
-              </a:rPr>
-              <a:t>rezolvării</a:t>
-            </a:r>
-            <a:r>
-              <a:rPr lang="en-GB" sz="6400" b="0" i="0" dirty="0">
-                <a:solidFill>
-                  <a:schemeClr val="bg1"/>
-                </a:solidFill>
-                <a:effectLst/>
-                <a:latin typeface="Times New Roman" panose="02020603050405020304" pitchFamily="18" charset="0"/>
-                <a:cs typeface="Times New Roman" panose="02020603050405020304" pitchFamily="18" charset="0"/>
-              </a:rPr>
-              <a:t> </a:t>
-            </a:r>
-            <a:r>
-              <a:rPr lang="en-GB" sz="6400" b="0" i="0" dirty="0" err="1">
-                <a:solidFill>
-                  <a:schemeClr val="bg1"/>
-                </a:solidFill>
-                <a:effectLst/>
-                <a:latin typeface="Times New Roman" panose="02020603050405020304" pitchFamily="18" charset="0"/>
-                <a:cs typeface="Times New Roman" panose="02020603050405020304" pitchFamily="18" charset="0"/>
-              </a:rPr>
-              <a:t>acestora</a:t>
-            </a:r>
-            <a:r>
-              <a:rPr lang="en-GB" sz="6400" b="0" i="0" dirty="0">
-                <a:solidFill>
-                  <a:schemeClr val="bg1"/>
-                </a:solidFill>
-                <a:effectLst/>
-                <a:latin typeface="Times New Roman" panose="02020603050405020304" pitchFamily="18" charset="0"/>
-                <a:cs typeface="Times New Roman" panose="02020603050405020304" pitchFamily="18" charset="0"/>
-              </a:rPr>
-              <a:t>.</a:t>
-            </a:r>
-          </a:p>
-          <a:p>
-            <a:pPr marL="0" indent="0" algn="l">
-              <a:buNone/>
-            </a:pPr>
-            <a:r>
-              <a:rPr lang="en-GB" sz="6400" b="1" i="0" dirty="0">
-                <a:solidFill>
-                  <a:schemeClr val="bg1"/>
-                </a:solidFill>
-                <a:effectLst/>
-                <a:latin typeface="Times New Roman" panose="02020603050405020304" pitchFamily="18" charset="0"/>
-                <a:cs typeface="Times New Roman" panose="02020603050405020304" pitchFamily="18" charset="0"/>
-              </a:rPr>
-              <a:t>8. </a:t>
-            </a:r>
-            <a:r>
-              <a:rPr lang="en-GB" sz="6400" b="1" i="0" dirty="0" err="1">
-                <a:solidFill>
-                  <a:schemeClr val="bg1"/>
-                </a:solidFill>
-                <a:effectLst/>
-                <a:latin typeface="Times New Roman" panose="02020603050405020304" pitchFamily="18" charset="0"/>
-                <a:cs typeface="Times New Roman" panose="02020603050405020304" pitchFamily="18" charset="0"/>
-              </a:rPr>
-              <a:t>Încheierea</a:t>
-            </a:r>
-            <a:r>
-              <a:rPr lang="en-GB" sz="6400" b="1" i="0" dirty="0">
-                <a:solidFill>
-                  <a:schemeClr val="bg1"/>
-                </a:solidFill>
-                <a:effectLst/>
-                <a:latin typeface="Times New Roman" panose="02020603050405020304" pitchFamily="18" charset="0"/>
-                <a:cs typeface="Times New Roman" panose="02020603050405020304" pitchFamily="18" charset="0"/>
-              </a:rPr>
-              <a:t> </a:t>
-            </a:r>
-            <a:r>
-              <a:rPr lang="en-GB" sz="6400" b="1" i="0" dirty="0" err="1">
-                <a:solidFill>
-                  <a:schemeClr val="bg1"/>
-                </a:solidFill>
-                <a:effectLst/>
-                <a:latin typeface="Times New Roman" panose="02020603050405020304" pitchFamily="18" charset="0"/>
-                <a:cs typeface="Times New Roman" panose="02020603050405020304" pitchFamily="18" charset="0"/>
-              </a:rPr>
-              <a:t>testelor</a:t>
-            </a:r>
-            <a:r>
-              <a:rPr lang="en-GB" sz="6400" b="1" i="0" dirty="0">
-                <a:solidFill>
-                  <a:schemeClr val="bg1"/>
-                </a:solidFill>
-                <a:effectLst/>
-                <a:latin typeface="Times New Roman" panose="02020603050405020304" pitchFamily="18" charset="0"/>
-                <a:cs typeface="Times New Roman" panose="02020603050405020304" pitchFamily="18" charset="0"/>
-              </a:rPr>
-              <a:t> (Test Closure):</a:t>
+              <a:t> (Test Completion):</a:t>
             </a:r>
             <a:r>
               <a:rPr lang="en-GB" sz="6400" dirty="0">
@@ -19600,7 +19397,67 @@
                 <a:latin typeface="Times New Roman" panose="02020603050405020304" pitchFamily="18" charset="0"/>
                 <a:cs typeface="Times New Roman" panose="02020603050405020304" pitchFamily="18" charset="0"/>
               </a:rPr>
-              <a:t>– se </a:t>
+              <a:t>–  </a:t>
+            </a:r>
+            <a:r>
+              <a:rPr lang="en-GB" sz="1600" dirty="0" err="1">
+                <a:solidFill>
+                  <a:schemeClr val="bg1"/>
+                </a:solidFill>
+                <a:latin typeface="Times New Roman" panose="02020603050405020304" pitchFamily="18" charset="0"/>
+                <a:cs typeface="Times New Roman" panose="02020603050405020304" pitchFamily="18" charset="0"/>
+              </a:rPr>
+              <a:t>este</a:t>
+            </a:r>
+            <a:r>
+              <a:rPr lang="en-GB" sz="1600" dirty="0">
+                <a:solidFill>
+                  <a:schemeClr val="bg1"/>
+                </a:solidFill>
+                <a:latin typeface="Times New Roman" panose="02020603050405020304" pitchFamily="18" charset="0"/>
+                <a:cs typeface="Times New Roman" panose="02020603050405020304" pitchFamily="18" charset="0"/>
+              </a:rPr>
+              <a:t> un tip de </a:t>
+            </a:r>
+            <a:r>
+              <a:rPr lang="en-GB" sz="1600" dirty="0" err="1">
+                <a:solidFill>
+                  <a:schemeClr val="bg1"/>
+                </a:solidFill>
+                <a:latin typeface="Times New Roman" panose="02020603050405020304" pitchFamily="18" charset="0"/>
+                <a:cs typeface="Times New Roman" panose="02020603050405020304" pitchFamily="18" charset="0"/>
+              </a:rPr>
+              <a:t>testare</a:t>
+            </a:r>
+            <a:r>
+              <a:rPr lang="en-GB" sz="1600" dirty="0">
+                <a:solidFill>
+                  <a:schemeClr val="bg1"/>
+                </a:solidFill>
+                <a:latin typeface="Times New Roman" panose="02020603050405020304" pitchFamily="18" charset="0"/>
+                <a:cs typeface="Times New Roman" panose="02020603050405020304" pitchFamily="18" charset="0"/>
+              </a:rPr>
+              <a:t> </a:t>
+            </a:r>
+            <a:r>
+              <a:rPr lang="en-GB" sz="1600" dirty="0" err="1">
+                <a:solidFill>
+                  <a:schemeClr val="bg1"/>
+                </a:solidFill>
+                <a:latin typeface="Times New Roman" panose="02020603050405020304" pitchFamily="18" charset="0"/>
+                <a:cs typeface="Times New Roman" panose="02020603050405020304" pitchFamily="18" charset="0"/>
+              </a:rPr>
+              <a:t>ce</a:t>
+            </a:r>
+            <a:r>
+              <a:rPr lang="en-GB" sz="1600" dirty="0">
+                <a:solidFill>
+                  <a:schemeClr val="bg1"/>
+                </a:solidFill>
+                <a:latin typeface="Times New Roman" panose="02020603050405020304" pitchFamily="18" charset="0"/>
+                <a:cs typeface="Times New Roman" panose="02020603050405020304" pitchFamily="18" charset="0"/>
+              </a:rPr>
+              <a:t> se </a:t>
             </a:r>
             <a:r>
               <a:rPr lang="en-GB" sz="1600" dirty="0" err="1">
@@ -19883,6 +19740,17 @@
               <a:t>Regression Testing – </a:t>
             </a:r>
             <a:r>
+              <a:rPr lang="en-GB" sz="1600" i="0" dirty="0" err="1">
+                <a:solidFill>
+                  <a:schemeClr val="bg1"/>
+                </a:solidFill>
+                <a:effectLst/>
+                <a:latin typeface="Times New Roman" panose="02020603050405020304" pitchFamily="18" charset="0"/>
+                <a:cs typeface="Times New Roman" panose="02020603050405020304" pitchFamily="18" charset="0"/>
+              </a:rPr>
+              <a:t>este</a:t>
+            </a:r>
+            <a:r>
               <a:rPr lang="en-GB" sz="1600" i="0" dirty="0">
                 <a:solidFill>
                   <a:schemeClr val="bg1"/>
@@ -19891,7 +19759,51 @@
                 <a:latin typeface="Times New Roman" panose="02020603050405020304" pitchFamily="18" charset="0"/>
                 <a:cs typeface="Times New Roman" panose="02020603050405020304" pitchFamily="18" charset="0"/>
               </a:rPr>
-              <a:t>are ca scop </a:t>
+              <a:t> un tip de </a:t>
+            </a:r>
+            <a:r>
+              <a:rPr lang="en-GB" sz="1600" i="0" dirty="0" err="1">
+                <a:solidFill>
+                  <a:schemeClr val="bg1"/>
+                </a:solidFill>
+                <a:effectLst/>
+                <a:latin typeface="Times New Roman" panose="02020603050405020304" pitchFamily="18" charset="0"/>
+                <a:cs typeface="Times New Roman" panose="02020603050405020304" pitchFamily="18" charset="0"/>
+              </a:rPr>
+              <a:t>testare</a:t>
+            </a:r>
+            <a:r>
+              <a:rPr lang="en-GB" sz="1600" i="0" dirty="0">
+                <a:solidFill>
+                  <a:schemeClr val="bg1"/>
+                </a:solidFill>
+                <a:effectLst/>
+                <a:latin typeface="Times New Roman" panose="02020603050405020304" pitchFamily="18" charset="0"/>
+                <a:cs typeface="Times New Roman" panose="02020603050405020304" pitchFamily="18" charset="0"/>
+              </a:rPr>
+              <a:t> </a:t>
+            </a:r>
+            <a:r>
+              <a:rPr lang="en-GB" sz="1600" i="0" dirty="0" err="1">
+                <a:solidFill>
+                  <a:schemeClr val="bg1"/>
+                </a:solidFill>
+                <a:effectLst/>
+                <a:latin typeface="Times New Roman" panose="02020603050405020304" pitchFamily="18" charset="0"/>
+                <a:cs typeface="Times New Roman" panose="02020603050405020304" pitchFamily="18" charset="0"/>
+              </a:rPr>
+              <a:t>ce</a:t>
+            </a:r>
+            <a:r>
+              <a:rPr lang="en-GB" sz="1600" i="0" dirty="0">
+                <a:solidFill>
+                  <a:schemeClr val="bg1"/>
+                </a:solidFill>
+                <a:effectLst/>
+                <a:latin typeface="Times New Roman" panose="02020603050405020304" pitchFamily="18" charset="0"/>
+                <a:cs typeface="Times New Roman" panose="02020603050405020304" pitchFamily="18" charset="0"/>
+              </a:rPr>
+              <a:t> are ca scop </a:t>
             </a:r>
             <a:r>
               <a:rPr lang="en-GB" sz="1600" i="0" dirty="0" err="1">
@@ -21508,7 +21420,7 @@
                 <a:latin typeface="Times New Roman" panose="02020603050405020304" pitchFamily="18" charset="0"/>
                 <a:cs typeface="Times New Roman" panose="02020603050405020304" pitchFamily="18" charset="0"/>
               </a:rPr>
-              <a:t>realizată</a:t>
+              <a:t>ce</a:t>
             </a:r>
             <a:r>
               <a:rPr lang="en-GB" sz="1800" b="0" i="0" dirty="0">
@@ -21530,73 +21442,7 @@
                 <a:latin typeface="Times New Roman" panose="02020603050405020304" pitchFamily="18" charset="0"/>
                 <a:cs typeface="Times New Roman" panose="02020603050405020304" pitchFamily="18" charset="0"/>
               </a:rPr>
-              <a:t>după</a:t>
-            </a:r>
-            <a:r>
-              <a:rPr lang="en-GB" sz="1800" b="0" i="0" dirty="0">
-                <a:solidFill>
-                  <a:schemeClr val="bg1"/>
-                </a:solidFill>
-                <a:effectLst/>
-                <a:latin typeface="Times New Roman" panose="02020603050405020304" pitchFamily="18" charset="0"/>
-                <a:cs typeface="Times New Roman" panose="02020603050405020304" pitchFamily="18" charset="0"/>
-              </a:rPr>
-              <a:t> </a:t>
-            </a:r>
-            <a:r>
-              <a:rPr lang="en-GB" sz="1800" b="0" i="0" dirty="0" err="1">
-                <a:solidFill>
-                  <a:schemeClr val="bg1"/>
-                </a:solidFill>
-                <a:effectLst/>
-                <a:latin typeface="Times New Roman" panose="02020603050405020304" pitchFamily="18" charset="0"/>
-                <a:cs typeface="Times New Roman" panose="02020603050405020304" pitchFamily="18" charset="0"/>
-              </a:rPr>
-              <a:t>finalizarea</a:t>
-            </a:r>
-            <a:r>
-              <a:rPr lang="en-GB" sz="1800" b="0" i="0" dirty="0">
-                <a:solidFill>
-                  <a:schemeClr val="bg1"/>
-                </a:solidFill>
-                <a:effectLst/>
-                <a:latin typeface="Times New Roman" panose="02020603050405020304" pitchFamily="18" charset="0"/>
-                <a:cs typeface="Times New Roman" panose="02020603050405020304" pitchFamily="18" charset="0"/>
-              </a:rPr>
-              <a:t> </a:t>
-            </a:r>
-            <a:r>
-              <a:rPr lang="en-GB" sz="1800" b="0" i="0" dirty="0" err="1">
-                <a:solidFill>
-                  <a:schemeClr val="bg1"/>
-                </a:solidFill>
-                <a:effectLst/>
-                <a:latin typeface="Times New Roman" panose="02020603050405020304" pitchFamily="18" charset="0"/>
-                <a:cs typeface="Times New Roman" panose="02020603050405020304" pitchFamily="18" charset="0"/>
-              </a:rPr>
-              <a:t>dezvoltării</a:t>
-            </a:r>
-            <a:r>
-              <a:rPr lang="en-GB" sz="1800" b="0" i="0" dirty="0">
-                <a:solidFill>
-                  <a:schemeClr val="bg1"/>
-                </a:solidFill>
-                <a:effectLst/>
-                <a:latin typeface="Times New Roman" panose="02020603050405020304" pitchFamily="18" charset="0"/>
-                <a:cs typeface="Times New Roman" panose="02020603050405020304" pitchFamily="18" charset="0"/>
-              </a:rPr>
-              <a:t>, </a:t>
-            </a:r>
-            <a:r>
-              <a:rPr lang="en-GB" sz="1800" b="0" i="0" dirty="0" err="1">
-                <a:solidFill>
-                  <a:schemeClr val="bg1"/>
-                </a:solidFill>
-                <a:effectLst/>
-                <a:latin typeface="Times New Roman" panose="02020603050405020304" pitchFamily="18" charset="0"/>
-                <a:cs typeface="Times New Roman" panose="02020603050405020304" pitchFamily="18" charset="0"/>
-              </a:rPr>
-              <a:t>confirmând</a:t>
+              <a:t>confirma</a:t>
             </a:r>
             <a:r>
               <a:rPr lang="en-GB" sz="1800" b="0" i="0" dirty="0">
@@ -26382,8 +26228,8 @@
         </p:nvSpPr>
         <p:spPr>
           <a:xfrm>
-            <a:off x="9103489" y="1666754"/>
-            <a:ext cx="2534857" cy="2835798"/>
+            <a:off x="9103489" y="1666753"/>
+            <a:ext cx="2534857" cy="4279511"/>
           </a:xfrm>
           <a:prstGeom prst="roundRect">
             <a:avLst/>
@@ -26649,6 +26495,314 @@
                 <a:cs typeface="Times New Roman" panose="02020603050405020304" pitchFamily="18" charset="0"/>
               </a:rPr>
               <a:t>utilizatorilor</a:t>
+            </a:r>
+            <a:r>
+              <a:rPr lang="en-GB" b="0" i="0" dirty="0">
+                <a:solidFill>
+                  <a:sysClr val="windowText" lastClr="000000"/>
+                </a:solidFill>
+                <a:effectLst/>
+                <a:latin typeface="Times New Roman" panose="02020603050405020304" pitchFamily="18" charset="0"/>
+                <a:cs typeface="Times New Roman" panose="02020603050405020304" pitchFamily="18" charset="0"/>
+              </a:rPr>
+              <a:t>. </a:t>
+            </a:r>
+            <a:r>
+              <a:rPr lang="en-GB" b="0" i="0" dirty="0" err="1">
+                <a:solidFill>
+                  <a:sysClr val="windowText" lastClr="000000"/>
+                </a:solidFill>
+                <a:effectLst/>
+                <a:latin typeface="Times New Roman" panose="02020603050405020304" pitchFamily="18" charset="0"/>
+                <a:cs typeface="Times New Roman" panose="02020603050405020304" pitchFamily="18" charset="0"/>
+              </a:rPr>
+              <a:t>Rolul</a:t>
+            </a:r>
+            <a:r>
+              <a:rPr lang="en-GB" b="0" i="0" dirty="0">
+                <a:solidFill>
+                  <a:sysClr val="windowText" lastClr="000000"/>
+                </a:solidFill>
+                <a:effectLst/>
+                <a:latin typeface="Times New Roman" panose="02020603050405020304" pitchFamily="18" charset="0"/>
+                <a:cs typeface="Times New Roman" panose="02020603050405020304" pitchFamily="18" charset="0"/>
+              </a:rPr>
+              <a:t> </a:t>
+            </a:r>
+            <a:r>
+              <a:rPr lang="en-GB" b="0" i="0" dirty="0" err="1">
+                <a:solidFill>
+                  <a:sysClr val="windowText" lastClr="000000"/>
+                </a:solidFill>
+                <a:effectLst/>
+                <a:latin typeface="Times New Roman" panose="02020603050405020304" pitchFamily="18" charset="0"/>
+                <a:cs typeface="Times New Roman" panose="02020603050405020304" pitchFamily="18" charset="0"/>
+              </a:rPr>
+              <a:t>ei</a:t>
+            </a:r>
+            <a:r>
+              <a:rPr lang="en-GB" b="0" i="0" dirty="0">
+                <a:solidFill>
+                  <a:sysClr val="windowText" lastClr="000000"/>
+                </a:solidFill>
+                <a:effectLst/>
+                <a:latin typeface="Times New Roman" panose="02020603050405020304" pitchFamily="18" charset="0"/>
+                <a:cs typeface="Times New Roman" panose="02020603050405020304" pitchFamily="18" charset="0"/>
+              </a:rPr>
+              <a:t> </a:t>
+            </a:r>
+            <a:r>
+              <a:rPr lang="en-GB" b="0" i="0" dirty="0" err="1">
+                <a:solidFill>
+                  <a:sysClr val="windowText" lastClr="000000"/>
+                </a:solidFill>
+                <a:effectLst/>
+                <a:latin typeface="Times New Roman" panose="02020603050405020304" pitchFamily="18" charset="0"/>
+                <a:cs typeface="Times New Roman" panose="02020603050405020304" pitchFamily="18" charset="0"/>
+              </a:rPr>
+              <a:t>este</a:t>
+            </a:r>
+            <a:r>
+              <a:rPr lang="en-GB" b="0" i="0" dirty="0">
+                <a:solidFill>
+                  <a:sysClr val="windowText" lastClr="000000"/>
+                </a:solidFill>
+                <a:effectLst/>
+                <a:latin typeface="Times New Roman" panose="02020603050405020304" pitchFamily="18" charset="0"/>
+                <a:cs typeface="Times New Roman" panose="02020603050405020304" pitchFamily="18" charset="0"/>
+              </a:rPr>
+              <a:t> de a </a:t>
+            </a:r>
+            <a:r>
+              <a:rPr lang="en-GB" b="0" i="0" dirty="0" err="1">
+                <a:solidFill>
+                  <a:sysClr val="windowText" lastClr="000000"/>
+                </a:solidFill>
+                <a:effectLst/>
+                <a:latin typeface="Times New Roman" panose="02020603050405020304" pitchFamily="18" charset="0"/>
+                <a:cs typeface="Times New Roman" panose="02020603050405020304" pitchFamily="18" charset="0"/>
+              </a:rPr>
+              <a:t>asigura</a:t>
+            </a:r>
+            <a:r>
+              <a:rPr lang="en-GB" b="0" i="0" dirty="0">
+                <a:solidFill>
+                  <a:sysClr val="windowText" lastClr="000000"/>
+                </a:solidFill>
+                <a:effectLst/>
+                <a:latin typeface="Times New Roman" panose="02020603050405020304" pitchFamily="18" charset="0"/>
+                <a:cs typeface="Times New Roman" panose="02020603050405020304" pitchFamily="18" charset="0"/>
+              </a:rPr>
+              <a:t> ca </a:t>
+            </a:r>
+            <a:r>
+              <a:rPr lang="en-GB" b="0" i="0" dirty="0" err="1">
+                <a:solidFill>
+                  <a:sysClr val="windowText" lastClr="000000"/>
+                </a:solidFill>
+                <a:effectLst/>
+                <a:latin typeface="Times New Roman" panose="02020603050405020304" pitchFamily="18" charset="0"/>
+                <a:cs typeface="Times New Roman" panose="02020603050405020304" pitchFamily="18" charset="0"/>
+              </a:rPr>
+              <a:t>sistemul</a:t>
+            </a:r>
+            <a:r>
+              <a:rPr lang="en-GB" b="0" i="0" dirty="0">
+                <a:solidFill>
+                  <a:sysClr val="windowText" lastClr="000000"/>
+                </a:solidFill>
+                <a:effectLst/>
+                <a:latin typeface="Times New Roman" panose="02020603050405020304" pitchFamily="18" charset="0"/>
+                <a:cs typeface="Times New Roman" panose="02020603050405020304" pitchFamily="18" charset="0"/>
+              </a:rPr>
+              <a:t> </a:t>
+            </a:r>
+            <a:r>
+              <a:rPr lang="en-GB" b="0" i="0" dirty="0" err="1">
+                <a:solidFill>
+                  <a:sysClr val="windowText" lastClr="000000"/>
+                </a:solidFill>
+                <a:effectLst/>
+                <a:latin typeface="Times New Roman" panose="02020603050405020304" pitchFamily="18" charset="0"/>
+                <a:cs typeface="Times New Roman" panose="02020603050405020304" pitchFamily="18" charset="0"/>
+              </a:rPr>
+              <a:t>este</a:t>
+            </a:r>
+            <a:r>
+              <a:rPr lang="en-GB" b="0" i="0" dirty="0">
+                <a:solidFill>
+                  <a:sysClr val="windowText" lastClr="000000"/>
+                </a:solidFill>
+                <a:effectLst/>
+                <a:latin typeface="Times New Roman" panose="02020603050405020304" pitchFamily="18" charset="0"/>
+                <a:cs typeface="Times New Roman" panose="02020603050405020304" pitchFamily="18" charset="0"/>
+              </a:rPr>
+              <a:t> functional, </a:t>
+            </a:r>
+            <a:r>
+              <a:rPr lang="en-GB" b="0" i="0" dirty="0" err="1">
+                <a:solidFill>
+                  <a:sysClr val="windowText" lastClr="000000"/>
+                </a:solidFill>
+                <a:effectLst/>
+                <a:latin typeface="Times New Roman" panose="02020603050405020304" pitchFamily="18" charset="0"/>
+                <a:cs typeface="Times New Roman" panose="02020603050405020304" pitchFamily="18" charset="0"/>
+              </a:rPr>
+              <a:t>usor</a:t>
+            </a:r>
+            <a:r>
+              <a:rPr lang="en-GB" b="0" i="0" dirty="0">
+                <a:solidFill>
+                  <a:sysClr val="windowText" lastClr="000000"/>
+                </a:solidFill>
+                <a:effectLst/>
+                <a:latin typeface="Times New Roman" panose="02020603050405020304" pitchFamily="18" charset="0"/>
+                <a:cs typeface="Times New Roman" panose="02020603050405020304" pitchFamily="18" charset="0"/>
+              </a:rPr>
+              <a:t> de </a:t>
+            </a:r>
+            <a:r>
+              <a:rPr lang="en-GB" b="0" i="0" dirty="0" err="1">
+                <a:solidFill>
+                  <a:sysClr val="windowText" lastClr="000000"/>
+                </a:solidFill>
+                <a:effectLst/>
+                <a:latin typeface="Times New Roman" panose="02020603050405020304" pitchFamily="18" charset="0"/>
+                <a:cs typeface="Times New Roman" panose="02020603050405020304" pitchFamily="18" charset="0"/>
+              </a:rPr>
+              <a:t>utilizat</a:t>
+            </a:r>
+            <a:r>
+              <a:rPr lang="en-GB" b="0" i="0" dirty="0">
+                <a:solidFill>
+                  <a:sysClr val="windowText" lastClr="000000"/>
+                </a:solidFill>
+                <a:effectLst/>
+                <a:latin typeface="Times New Roman" panose="02020603050405020304" pitchFamily="18" charset="0"/>
+                <a:cs typeface="Times New Roman" panose="02020603050405020304" pitchFamily="18" charset="0"/>
+              </a:rPr>
+              <a:t> </a:t>
+            </a:r>
+            <a:r>
+              <a:rPr lang="en-GB" b="0" i="0" dirty="0" err="1">
+                <a:solidFill>
+                  <a:sysClr val="windowText" lastClr="000000"/>
+                </a:solidFill>
+                <a:effectLst/>
+                <a:latin typeface="Times New Roman" panose="02020603050405020304" pitchFamily="18" charset="0"/>
+                <a:cs typeface="Times New Roman" panose="02020603050405020304" pitchFamily="18" charset="0"/>
+              </a:rPr>
+              <a:t>si</a:t>
+            </a:r>
+            <a:r>
+              <a:rPr lang="en-GB" b="0" i="0" dirty="0">
+                <a:solidFill>
+                  <a:sysClr val="windowText" lastClr="000000"/>
+                </a:solidFill>
+                <a:effectLst/>
+                <a:latin typeface="Times New Roman" panose="02020603050405020304" pitchFamily="18" charset="0"/>
+                <a:cs typeface="Times New Roman" panose="02020603050405020304" pitchFamily="18" charset="0"/>
+              </a:rPr>
+              <a:t> </a:t>
+            </a:r>
+            <a:r>
+              <a:rPr lang="en-GB" b="0" i="0" dirty="0" err="1">
+                <a:solidFill>
+                  <a:sysClr val="windowText" lastClr="000000"/>
+                </a:solidFill>
+                <a:effectLst/>
+                <a:latin typeface="Times New Roman" panose="02020603050405020304" pitchFamily="18" charset="0"/>
+                <a:cs typeface="Times New Roman" panose="02020603050405020304" pitchFamily="18" charset="0"/>
+              </a:rPr>
+              <a:t>indeplineste</a:t>
+            </a:r>
+            <a:r>
+              <a:rPr lang="en-GB" b="0" i="0" dirty="0">
+                <a:solidFill>
+                  <a:sysClr val="windowText" lastClr="000000"/>
+                </a:solidFill>
+                <a:effectLst/>
+                <a:latin typeface="Times New Roman" panose="02020603050405020304" pitchFamily="18" charset="0"/>
+                <a:cs typeface="Times New Roman" panose="02020603050405020304" pitchFamily="18" charset="0"/>
+              </a:rPr>
+              <a:t> </a:t>
+            </a:r>
+            <a:r>
+              <a:rPr lang="en-GB" b="0" i="0" dirty="0" err="1">
+                <a:solidFill>
+                  <a:sysClr val="windowText" lastClr="000000"/>
+                </a:solidFill>
+                <a:effectLst/>
+                <a:latin typeface="Times New Roman" panose="02020603050405020304" pitchFamily="18" charset="0"/>
+                <a:cs typeface="Times New Roman" panose="02020603050405020304" pitchFamily="18" charset="0"/>
+              </a:rPr>
+              <a:t>scopul</a:t>
+            </a:r>
+            <a:r>
+              <a:rPr lang="en-GB" b="0" i="0" dirty="0">
+                <a:solidFill>
+                  <a:sysClr val="windowText" lastClr="000000"/>
+                </a:solidFill>
+                <a:effectLst/>
+                <a:latin typeface="Times New Roman" panose="02020603050405020304" pitchFamily="18" charset="0"/>
+                <a:cs typeface="Times New Roman" panose="02020603050405020304" pitchFamily="18" charset="0"/>
+              </a:rPr>
+              <a:t> </a:t>
+            </a:r>
+            <a:r>
+              <a:rPr lang="en-GB" b="0" i="0" dirty="0" err="1">
+                <a:solidFill>
+                  <a:sysClr val="windowText" lastClr="000000"/>
+                </a:solidFill>
+                <a:effectLst/>
+                <a:latin typeface="Times New Roman" panose="02020603050405020304" pitchFamily="18" charset="0"/>
+                <a:cs typeface="Times New Roman" panose="02020603050405020304" pitchFamily="18" charset="0"/>
+              </a:rPr>
+              <a:t>pentru</a:t>
+            </a:r>
+            <a:r>
+              <a:rPr lang="en-GB" b="0" i="0" dirty="0">
+                <a:solidFill>
+                  <a:sysClr val="windowText" lastClr="000000"/>
+                </a:solidFill>
+                <a:effectLst/>
+                <a:latin typeface="Times New Roman" panose="02020603050405020304" pitchFamily="18" charset="0"/>
+                <a:cs typeface="Times New Roman" panose="02020603050405020304" pitchFamily="18" charset="0"/>
+              </a:rPr>
+              <a:t> care a </a:t>
+            </a:r>
+            <a:r>
+              <a:rPr lang="en-GB" b="0" i="0" dirty="0" err="1">
+                <a:solidFill>
+                  <a:sysClr val="windowText" lastClr="000000"/>
+                </a:solidFill>
+                <a:effectLst/>
+                <a:latin typeface="Times New Roman" panose="02020603050405020304" pitchFamily="18" charset="0"/>
+                <a:cs typeface="Times New Roman" panose="02020603050405020304" pitchFamily="18" charset="0"/>
+              </a:rPr>
+              <a:t>fost</a:t>
+            </a:r>
+            <a:r>
+              <a:rPr lang="en-GB" b="0" i="0" dirty="0">
+                <a:solidFill>
+                  <a:sysClr val="windowText" lastClr="000000"/>
+                </a:solidFill>
+                <a:effectLst/>
+                <a:latin typeface="Times New Roman" panose="02020603050405020304" pitchFamily="18" charset="0"/>
+                <a:cs typeface="Times New Roman" panose="02020603050405020304" pitchFamily="18" charset="0"/>
+              </a:rPr>
+              <a:t> </a:t>
+            </a:r>
+            <a:r>
+              <a:rPr lang="en-GB" b="0" i="0" dirty="0" err="1">
+                <a:solidFill>
+                  <a:sysClr val="windowText" lastClr="000000"/>
+                </a:solidFill>
+                <a:effectLst/>
+                <a:latin typeface="Times New Roman" panose="02020603050405020304" pitchFamily="18" charset="0"/>
+                <a:cs typeface="Times New Roman" panose="02020603050405020304" pitchFamily="18" charset="0"/>
+              </a:rPr>
+              <a:t>creat</a:t>
             </a:r>
             <a:r>
               <a:rPr lang="en-GB" b="0" i="0" dirty="0">
